--- a/05_Präsentation/RoundtripSchmittDroll_final.pptx
+++ b/05_Präsentation/RoundtripSchmittDroll_final.pptx
@@ -8,10 +8,10 @@
     <p:sldMasterId id="2147483704" r:id="rId7"/>
   </p:sldMasterIdLst>
   <p:notesMasterIdLst>
-    <p:notesMasterId r:id="rId22"/>
+    <p:notesMasterId r:id="rId23"/>
   </p:notesMasterIdLst>
   <p:handoutMasterIdLst>
-    <p:handoutMasterId r:id="rId23"/>
+    <p:handoutMasterId r:id="rId24"/>
   </p:handoutMasterIdLst>
   <p:sldIdLst>
     <p:sldId id="1087" r:id="rId8"/>
@@ -25,14 +25,15 @@
     <p:sldId id="1094" r:id="rId16"/>
     <p:sldId id="1097" r:id="rId17"/>
     <p:sldId id="1098" r:id="rId18"/>
-    <p:sldId id="1103" r:id="rId19"/>
-    <p:sldId id="1093" r:id="rId20"/>
-    <p:sldId id="1095" r:id="rId21"/>
+    <p:sldId id="1104" r:id="rId19"/>
+    <p:sldId id="1103" r:id="rId20"/>
+    <p:sldId id="1093" r:id="rId21"/>
+    <p:sldId id="1095" r:id="rId22"/>
   </p:sldIdLst>
   <p:sldSz cx="12192000" cy="6858000"/>
   <p:notesSz cx="6858000" cy="9144000"/>
   <p:custDataLst>
-    <p:tags r:id="rId24"/>
+    <p:tags r:id="rId25"/>
   </p:custDataLst>
   <p:defaultTextStyle>
     <a:defPPr>
@@ -165,12 +166,7 @@
 <file path=ppt/revisionInfo.xml><?xml version="1.0" encoding="utf-8"?>
 <p1510:revInfo xmlns:a="http://schemas.openxmlformats.org/drawingml/2006/main" xmlns:r="http://schemas.openxmlformats.org/officeDocument/2006/relationships" xmlns:p1510="http://schemas.microsoft.com/office/powerpoint/2015/10/main">
   <p1510:revLst>
-    <p1510:client id="{27FBA170-E72C-4481-8B11-E3FBD8DEEFAB}" v="3" dt="2024-01-16T09:40:04.046"/>
-    <p1510:client id="{4A28E82F-4AAE-4A41-A134-38C7C824C94B}" v="25" dt="2024-01-15T08:50:07.702"/>
-    <p1510:client id="{8F9D384A-08E8-00C7-CB5A-A43CF671CF05}" v="159" dt="2024-01-16T10:35:35.537"/>
-    <p1510:client id="{B8789867-C7CE-4BCA-BA69-DBD14DD1D7B9}" v="15" dt="2024-01-15T08:52:26.523"/>
-    <p1510:client id="{C3138BE1-057E-4C5C-9F83-3E0F110F44B9}" v="1687" dt="2024-01-15T20:22:19.811"/>
-    <p1510:client id="{DBF10ACB-9565-7ABE-454E-F67899B70E11}" v="7" dt="2024-01-14T22:40:13.625"/>
+    <p1510:client id="{841604A0-02FB-42F2-A960-D70FAC5CDE15}" v="7" dt="2024-01-23T17:17:29.544"/>
   </p1510:revLst>
 </p1510:revInfo>
 </file>
@@ -228,211 +224,6 @@
           <pc:docMk/>
           <pc:sldMk cId="3040228872" sldId="1096"/>
         </pc:sldMkLst>
-      </pc:sldChg>
-    </pc:docChg>
-  </pc:docChgLst>
-  <pc:docChgLst>
-    <pc:chgData name="Andreas Schmitt" userId="S::scan1116@h-ka.de::8063fb94-ab75-422e-8c1a-acc5a068cdc8" providerId="AD" clId="Web-{B8789867-C7CE-4BCA-BA69-DBD14DD1D7B9}"/>
-    <pc:docChg chg="modSld">
-      <pc:chgData name="Andreas Schmitt" userId="S::scan1116@h-ka.de::8063fb94-ab75-422e-8c1a-acc5a068cdc8" providerId="AD" clId="Web-{B8789867-C7CE-4BCA-BA69-DBD14DD1D7B9}" dt="2024-01-15T08:52:25.539" v="13" actId="20577"/>
-      <pc:docMkLst>
-        <pc:docMk/>
-      </pc:docMkLst>
-      <pc:sldChg chg="addSp modSp">
-        <pc:chgData name="Andreas Schmitt" userId="S::scan1116@h-ka.de::8063fb94-ab75-422e-8c1a-acc5a068cdc8" providerId="AD" clId="Web-{B8789867-C7CE-4BCA-BA69-DBD14DD1D7B9}" dt="2024-01-15T08:52:25.539" v="13" actId="20577"/>
-        <pc:sldMkLst>
-          <pc:docMk/>
-          <pc:sldMk cId="4061517964" sldId="1090"/>
-        </pc:sldMkLst>
-        <pc:spChg chg="add mod">
-          <ac:chgData name="Andreas Schmitt" userId="S::scan1116@h-ka.de::8063fb94-ab75-422e-8c1a-acc5a068cdc8" providerId="AD" clId="Web-{B8789867-C7CE-4BCA-BA69-DBD14DD1D7B9}" dt="2024-01-15T08:52:25.539" v="13" actId="20577"/>
-          <ac:spMkLst>
-            <pc:docMk/>
-            <pc:sldMk cId="4061517964" sldId="1090"/>
-            <ac:spMk id="2" creationId="{B55D3284-D9F5-C6B2-7A22-5CC20791E0B1}"/>
-          </ac:spMkLst>
-        </pc:spChg>
-      </pc:sldChg>
-    </pc:docChg>
-  </pc:docChgLst>
-  <pc:docChgLst>
-    <pc:chgData name="Maurice Droll" userId="S::drma1025@h-ka.de::306cf624-762e-4805-b567-51d64146fa42" providerId="AD" clId="Web-{DBF10ACB-9565-7ABE-454E-F67899B70E11}"/>
-    <pc:docChg chg="addSld delSld modSld modSection">
-      <pc:chgData name="Maurice Droll" userId="S::drma1025@h-ka.de::306cf624-762e-4805-b567-51d64146fa42" providerId="AD" clId="Web-{DBF10ACB-9565-7ABE-454E-F67899B70E11}" dt="2024-01-14T22:40:13.625" v="7" actId="20577"/>
-      <pc:docMkLst>
-        <pc:docMk/>
-      </pc:docMkLst>
-      <pc:sldChg chg="modSp">
-        <pc:chgData name="Maurice Droll" userId="S::drma1025@h-ka.de::306cf624-762e-4805-b567-51d64146fa42" providerId="AD" clId="Web-{DBF10ACB-9565-7ABE-454E-F67899B70E11}" dt="2024-01-14T22:40:13.625" v="7" actId="20577"/>
-        <pc:sldMkLst>
-          <pc:docMk/>
-          <pc:sldMk cId="3609810263" sldId="1091"/>
-        </pc:sldMkLst>
-        <pc:spChg chg="mod">
-          <ac:chgData name="Maurice Droll" userId="S::drma1025@h-ka.de::306cf624-762e-4805-b567-51d64146fa42" providerId="AD" clId="Web-{DBF10ACB-9565-7ABE-454E-F67899B70E11}" dt="2024-01-14T22:40:13.625" v="7" actId="20577"/>
-          <ac:spMkLst>
-            <pc:docMk/>
-            <pc:sldMk cId="3609810263" sldId="1091"/>
-            <ac:spMk id="8" creationId="{E3A6B3C8-6F75-EB43-A1A7-16036EE670BB}"/>
-          </ac:spMkLst>
-        </pc:spChg>
-      </pc:sldChg>
-      <pc:sldChg chg="addSp delSp modSp new del">
-        <pc:chgData name="Maurice Droll" userId="S::drma1025@h-ka.de::306cf624-762e-4805-b567-51d64146fa42" providerId="AD" clId="Web-{DBF10ACB-9565-7ABE-454E-F67899B70E11}" dt="2024-01-14T22:25:36.314" v="5"/>
-        <pc:sldMkLst>
-          <pc:docMk/>
-          <pc:sldMk cId="631776112" sldId="1100"/>
-        </pc:sldMkLst>
-        <pc:spChg chg="del">
-          <ac:chgData name="Maurice Droll" userId="S::drma1025@h-ka.de::306cf624-762e-4805-b567-51d64146fa42" providerId="AD" clId="Web-{DBF10ACB-9565-7ABE-454E-F67899B70E11}" dt="2024-01-14T22:25:30.126" v="1"/>
-          <ac:spMkLst>
-            <pc:docMk/>
-            <pc:sldMk cId="631776112" sldId="1100"/>
-            <ac:spMk id="2" creationId="{6A0D1384-0795-9B69-E254-EEFC7E6074E4}"/>
-          </ac:spMkLst>
-        </pc:spChg>
-        <pc:graphicFrameChg chg="add del mod">
-          <ac:chgData name="Maurice Droll" userId="S::drma1025@h-ka.de::306cf624-762e-4805-b567-51d64146fa42" providerId="AD" clId="Web-{DBF10ACB-9565-7ABE-454E-F67899B70E11}" dt="2024-01-14T22:25:34.251" v="4"/>
-          <ac:graphicFrameMkLst>
-            <pc:docMk/>
-            <pc:sldMk cId="631776112" sldId="1100"/>
-            <ac:graphicFrameMk id="6" creationId="{CC94FD49-BA51-8AE4-C10F-A4518A15A308}"/>
-          </ac:graphicFrameMkLst>
-        </pc:graphicFrameChg>
-      </pc:sldChg>
-    </pc:docChg>
-  </pc:docChgLst>
-  <pc:docChgLst>
-    <pc:chgData name="Maurice Droll" userId="S::drma1025@h-ka.de::306cf624-762e-4805-b567-51d64146fa42" providerId="AD" clId="Web-{B29573DE-7E2E-62C6-3CE2-D2CFDB9B4E54}"/>
-    <pc:docChg chg="modSld sldOrd">
-      <pc:chgData name="Maurice Droll" userId="S::drma1025@h-ka.de::306cf624-762e-4805-b567-51d64146fa42" providerId="AD" clId="Web-{B29573DE-7E2E-62C6-3CE2-D2CFDB9B4E54}" dt="2024-01-14T18:17:19.305" v="134" actId="20577"/>
-      <pc:docMkLst>
-        <pc:docMk/>
-      </pc:docMkLst>
-      <pc:sldChg chg="modSp">
-        <pc:chgData name="Maurice Droll" userId="S::drma1025@h-ka.de::306cf624-762e-4805-b567-51d64146fa42" providerId="AD" clId="Web-{B29573DE-7E2E-62C6-3CE2-D2CFDB9B4E54}" dt="2024-01-14T18:12:21.296" v="5" actId="20577"/>
-        <pc:sldMkLst>
-          <pc:docMk/>
-          <pc:sldMk cId="454951695" sldId="1092"/>
-        </pc:sldMkLst>
-        <pc:spChg chg="mod">
-          <ac:chgData name="Maurice Droll" userId="S::drma1025@h-ka.de::306cf624-762e-4805-b567-51d64146fa42" providerId="AD" clId="Web-{B29573DE-7E2E-62C6-3CE2-D2CFDB9B4E54}" dt="2024-01-14T18:12:21.296" v="5" actId="20577"/>
-          <ac:spMkLst>
-            <pc:docMk/>
-            <pc:sldMk cId="454951695" sldId="1092"/>
-            <ac:spMk id="8" creationId="{E3A6B3C8-6F75-EB43-A1A7-16036EE670BB}"/>
-          </ac:spMkLst>
-        </pc:spChg>
-      </pc:sldChg>
-      <pc:sldChg chg="ord">
-        <pc:chgData name="Maurice Droll" userId="S::drma1025@h-ka.de::306cf624-762e-4805-b567-51d64146fa42" providerId="AD" clId="Web-{B29573DE-7E2E-62C6-3CE2-D2CFDB9B4E54}" dt="2024-01-14T18:13:03.047" v="6"/>
-        <pc:sldMkLst>
-          <pc:docMk/>
-          <pc:sldMk cId="652909132" sldId="1093"/>
-        </pc:sldMkLst>
-      </pc:sldChg>
-      <pc:sldChg chg="addSp modSp">
-        <pc:chgData name="Maurice Droll" userId="S::drma1025@h-ka.de::306cf624-762e-4805-b567-51d64146fa42" providerId="AD" clId="Web-{B29573DE-7E2E-62C6-3CE2-D2CFDB9B4E54}" dt="2024-01-14T18:17:19.305" v="134" actId="20577"/>
-        <pc:sldMkLst>
-          <pc:docMk/>
-          <pc:sldMk cId="3111353975" sldId="1094"/>
-        </pc:sldMkLst>
-        <pc:spChg chg="mod">
-          <ac:chgData name="Maurice Droll" userId="S::drma1025@h-ka.de::306cf624-762e-4805-b567-51d64146fa42" providerId="AD" clId="Web-{B29573DE-7E2E-62C6-3CE2-D2CFDB9B4E54}" dt="2024-01-14T18:16:38.054" v="109" actId="14100"/>
-          <ac:spMkLst>
-            <pc:docMk/>
-            <pc:sldMk cId="3111353975" sldId="1094"/>
-            <ac:spMk id="3" creationId="{33A6CABB-4BAF-1162-3D3D-B40EABF24B4B}"/>
-          </ac:spMkLst>
-        </pc:spChg>
-        <pc:spChg chg="add mod">
-          <ac:chgData name="Maurice Droll" userId="S::drma1025@h-ka.de::306cf624-762e-4805-b567-51d64146fa42" providerId="AD" clId="Web-{B29573DE-7E2E-62C6-3CE2-D2CFDB9B4E54}" dt="2024-01-14T18:17:13.430" v="127" actId="20577"/>
-          <ac:spMkLst>
-            <pc:docMk/>
-            <pc:sldMk cId="3111353975" sldId="1094"/>
-            <ac:spMk id="6" creationId="{965EB4DE-5658-931B-47A4-5983D1E379F4}"/>
-          </ac:spMkLst>
-        </pc:spChg>
-        <pc:spChg chg="add mod">
-          <ac:chgData name="Maurice Droll" userId="S::drma1025@h-ka.de::306cf624-762e-4805-b567-51d64146fa42" providerId="AD" clId="Web-{B29573DE-7E2E-62C6-3CE2-D2CFDB9B4E54}" dt="2024-01-14T18:16:50.179" v="114" actId="1076"/>
-          <ac:spMkLst>
-            <pc:docMk/>
-            <pc:sldMk cId="3111353975" sldId="1094"/>
-            <ac:spMk id="7" creationId="{6358756C-57FC-13A1-6FE0-19DF27B814E1}"/>
-          </ac:spMkLst>
-        </pc:spChg>
-        <pc:spChg chg="add mod">
-          <ac:chgData name="Maurice Droll" userId="S::drma1025@h-ka.de::306cf624-762e-4805-b567-51d64146fa42" providerId="AD" clId="Web-{B29573DE-7E2E-62C6-3CE2-D2CFDB9B4E54}" dt="2024-01-14T18:16:48.179" v="113" actId="1076"/>
-          <ac:spMkLst>
-            <pc:docMk/>
-            <pc:sldMk cId="3111353975" sldId="1094"/>
-            <ac:spMk id="8" creationId="{EA4E5397-F94D-2289-0FFD-4AF6298C057A}"/>
-          </ac:spMkLst>
-        </pc:spChg>
-        <pc:spChg chg="add mod">
-          <ac:chgData name="Maurice Droll" userId="S::drma1025@h-ka.de::306cf624-762e-4805-b567-51d64146fa42" providerId="AD" clId="Web-{B29573DE-7E2E-62C6-3CE2-D2CFDB9B4E54}" dt="2024-01-14T18:16:57.382" v="116" actId="1076"/>
-          <ac:spMkLst>
-            <pc:docMk/>
-            <pc:sldMk cId="3111353975" sldId="1094"/>
-            <ac:spMk id="9" creationId="{DBA3133A-00E5-D666-7584-0C71148810C1}"/>
-          </ac:spMkLst>
-        </pc:spChg>
-        <pc:spChg chg="add mod">
-          <ac:chgData name="Maurice Droll" userId="S::drma1025@h-ka.de::306cf624-762e-4805-b567-51d64146fa42" providerId="AD" clId="Web-{B29573DE-7E2E-62C6-3CE2-D2CFDB9B4E54}" dt="2024-01-14T18:17:00.992" v="118" actId="1076"/>
-          <ac:spMkLst>
-            <pc:docMk/>
-            <pc:sldMk cId="3111353975" sldId="1094"/>
-            <ac:spMk id="10" creationId="{3B42BBB8-9768-3648-6471-8E1AC28E3FA5}"/>
-          </ac:spMkLst>
-        </pc:spChg>
-        <pc:spChg chg="add mod">
-          <ac:chgData name="Maurice Droll" userId="S::drma1025@h-ka.de::306cf624-762e-4805-b567-51d64146fa42" providerId="AD" clId="Web-{B29573DE-7E2E-62C6-3CE2-D2CFDB9B4E54}" dt="2024-01-14T18:17:19.305" v="134" actId="20577"/>
-          <ac:spMkLst>
-            <pc:docMk/>
-            <pc:sldMk cId="3111353975" sldId="1094"/>
-            <ac:spMk id="11" creationId="{5D302232-D948-1DA0-56BB-035020D32B25}"/>
-          </ac:spMkLst>
-        </pc:spChg>
-      </pc:sldChg>
-    </pc:docChg>
-  </pc:docChgLst>
-  <pc:docChgLst>
-    <pc:chgData name="Andreas Schmitt" userId="S::scan1116@h-ka.de::8063fb94-ab75-422e-8c1a-acc5a068cdc8" providerId="AD" clId="Web-{4A28E82F-4AAE-4A41-A134-38C7C824C94B}"/>
-    <pc:docChg chg="addSld modSld modSection">
-      <pc:chgData name="Andreas Schmitt" userId="S::scan1116@h-ka.de::8063fb94-ab75-422e-8c1a-acc5a068cdc8" providerId="AD" clId="Web-{4A28E82F-4AAE-4A41-A134-38C7C824C94B}" dt="2024-01-15T08:50:05.983" v="22" actId="20577"/>
-      <pc:docMkLst>
-        <pc:docMk/>
-      </pc:docMkLst>
-      <pc:sldChg chg="delSp modSp add replId">
-        <pc:chgData name="Andreas Schmitt" userId="S::scan1116@h-ka.de::8063fb94-ab75-422e-8c1a-acc5a068cdc8" providerId="AD" clId="Web-{4A28E82F-4AAE-4A41-A134-38C7C824C94B}" dt="2024-01-15T08:50:05.983" v="22" actId="20577"/>
-        <pc:sldMkLst>
-          <pc:docMk/>
-          <pc:sldMk cId="2319869533" sldId="1099"/>
-        </pc:sldMkLst>
-        <pc:spChg chg="mod">
-          <ac:chgData name="Andreas Schmitt" userId="S::scan1116@h-ka.de::8063fb94-ab75-422e-8c1a-acc5a068cdc8" providerId="AD" clId="Web-{4A28E82F-4AAE-4A41-A134-38C7C824C94B}" dt="2024-01-15T08:50:05.983" v="22" actId="20577"/>
-          <ac:spMkLst>
-            <pc:docMk/>
-            <pc:sldMk cId="2319869533" sldId="1099"/>
-            <ac:spMk id="7" creationId="{A945391F-F142-2DF7-18E6-0D739F709B5C}"/>
-          </ac:spMkLst>
-        </pc:spChg>
-        <pc:spChg chg="mod">
-          <ac:chgData name="Andreas Schmitt" userId="S::scan1116@h-ka.de::8063fb94-ab75-422e-8c1a-acc5a068cdc8" providerId="AD" clId="Web-{4A28E82F-4AAE-4A41-A134-38C7C824C94B}" dt="2024-01-15T08:49:46.810" v="20" actId="20577"/>
-          <ac:spMkLst>
-            <pc:docMk/>
-            <pc:sldMk cId="2319869533" sldId="1099"/>
-            <ac:spMk id="8" creationId="{E988E23E-778A-3EA9-AE8D-70D955921104}"/>
-          </ac:spMkLst>
-        </pc:spChg>
-        <pc:picChg chg="del">
-          <ac:chgData name="Andreas Schmitt" userId="S::scan1116@h-ka.de::8063fb94-ab75-422e-8c1a-acc5a068cdc8" providerId="AD" clId="Web-{4A28E82F-4AAE-4A41-A134-38C7C824C94B}" dt="2024-01-15T08:49:37.060" v="1"/>
-          <ac:picMkLst>
-            <pc:docMk/>
-            <pc:sldMk cId="2319869533" sldId="1099"/>
-            <ac:picMk id="10" creationId="{24C112A4-ACC8-F41F-AF78-BC7AE385EDB0}"/>
-          </ac:picMkLst>
-        </pc:picChg>
       </pc:sldChg>
     </pc:docChg>
   </pc:docChgLst>
@@ -767,6 +558,400 @@
           <pc:docMk/>
           <pc:sldMk cId="3742811623" sldId="1582"/>
         </pc:sldMkLst>
+      </pc:sldChg>
+    </pc:docChg>
+  </pc:docChgLst>
+  <pc:docChgLst>
+    <pc:chgData name="Maurice Droll" userId="S::drma1025@h-ka.de::306cf624-762e-4805-b567-51d64146fa42" providerId="AD" clId="Web-{DBF10ACB-9565-7ABE-454E-F67899B70E11}"/>
+    <pc:docChg chg="addSld delSld modSld modSection">
+      <pc:chgData name="Maurice Droll" userId="S::drma1025@h-ka.de::306cf624-762e-4805-b567-51d64146fa42" providerId="AD" clId="Web-{DBF10ACB-9565-7ABE-454E-F67899B70E11}" dt="2024-01-14T22:40:13.625" v="7" actId="20577"/>
+      <pc:docMkLst>
+        <pc:docMk/>
+      </pc:docMkLst>
+      <pc:sldChg chg="modSp">
+        <pc:chgData name="Maurice Droll" userId="S::drma1025@h-ka.de::306cf624-762e-4805-b567-51d64146fa42" providerId="AD" clId="Web-{DBF10ACB-9565-7ABE-454E-F67899B70E11}" dt="2024-01-14T22:40:13.625" v="7" actId="20577"/>
+        <pc:sldMkLst>
+          <pc:docMk/>
+          <pc:sldMk cId="3609810263" sldId="1091"/>
+        </pc:sldMkLst>
+        <pc:spChg chg="mod">
+          <ac:chgData name="Maurice Droll" userId="S::drma1025@h-ka.de::306cf624-762e-4805-b567-51d64146fa42" providerId="AD" clId="Web-{DBF10ACB-9565-7ABE-454E-F67899B70E11}" dt="2024-01-14T22:40:13.625" v="7" actId="20577"/>
+          <ac:spMkLst>
+            <pc:docMk/>
+            <pc:sldMk cId="3609810263" sldId="1091"/>
+            <ac:spMk id="8" creationId="{E3A6B3C8-6F75-EB43-A1A7-16036EE670BB}"/>
+          </ac:spMkLst>
+        </pc:spChg>
+      </pc:sldChg>
+      <pc:sldChg chg="addSp delSp modSp new del">
+        <pc:chgData name="Maurice Droll" userId="S::drma1025@h-ka.de::306cf624-762e-4805-b567-51d64146fa42" providerId="AD" clId="Web-{DBF10ACB-9565-7ABE-454E-F67899B70E11}" dt="2024-01-14T22:25:36.314" v="5"/>
+        <pc:sldMkLst>
+          <pc:docMk/>
+          <pc:sldMk cId="631776112" sldId="1100"/>
+        </pc:sldMkLst>
+        <pc:spChg chg="del">
+          <ac:chgData name="Maurice Droll" userId="S::drma1025@h-ka.de::306cf624-762e-4805-b567-51d64146fa42" providerId="AD" clId="Web-{DBF10ACB-9565-7ABE-454E-F67899B70E11}" dt="2024-01-14T22:25:30.126" v="1"/>
+          <ac:spMkLst>
+            <pc:docMk/>
+            <pc:sldMk cId="631776112" sldId="1100"/>
+            <ac:spMk id="2" creationId="{6A0D1384-0795-9B69-E254-EEFC7E6074E4}"/>
+          </ac:spMkLst>
+        </pc:spChg>
+        <pc:graphicFrameChg chg="add del mod">
+          <ac:chgData name="Maurice Droll" userId="S::drma1025@h-ka.de::306cf624-762e-4805-b567-51d64146fa42" providerId="AD" clId="Web-{DBF10ACB-9565-7ABE-454E-F67899B70E11}" dt="2024-01-14T22:25:34.251" v="4"/>
+          <ac:graphicFrameMkLst>
+            <pc:docMk/>
+            <pc:sldMk cId="631776112" sldId="1100"/>
+            <ac:graphicFrameMk id="6" creationId="{CC94FD49-BA51-8AE4-C10F-A4518A15A308}"/>
+          </ac:graphicFrameMkLst>
+        </pc:graphicFrameChg>
+      </pc:sldChg>
+    </pc:docChg>
+  </pc:docChgLst>
+  <pc:docChgLst>
+    <pc:chgData name="Andreas Schmitt" userId="S::scan1116@h-ka.de::8063fb94-ab75-422e-8c1a-acc5a068cdc8" providerId="AD" clId="Web-{B8789867-C7CE-4BCA-BA69-DBD14DD1D7B9}"/>
+    <pc:docChg chg="modSld">
+      <pc:chgData name="Andreas Schmitt" userId="S::scan1116@h-ka.de::8063fb94-ab75-422e-8c1a-acc5a068cdc8" providerId="AD" clId="Web-{B8789867-C7CE-4BCA-BA69-DBD14DD1D7B9}" dt="2024-01-15T08:52:25.539" v="13" actId="20577"/>
+      <pc:docMkLst>
+        <pc:docMk/>
+      </pc:docMkLst>
+      <pc:sldChg chg="addSp modSp">
+        <pc:chgData name="Andreas Schmitt" userId="S::scan1116@h-ka.de::8063fb94-ab75-422e-8c1a-acc5a068cdc8" providerId="AD" clId="Web-{B8789867-C7CE-4BCA-BA69-DBD14DD1D7B9}" dt="2024-01-15T08:52:25.539" v="13" actId="20577"/>
+        <pc:sldMkLst>
+          <pc:docMk/>
+          <pc:sldMk cId="4061517964" sldId="1090"/>
+        </pc:sldMkLst>
+        <pc:spChg chg="add mod">
+          <ac:chgData name="Andreas Schmitt" userId="S::scan1116@h-ka.de::8063fb94-ab75-422e-8c1a-acc5a068cdc8" providerId="AD" clId="Web-{B8789867-C7CE-4BCA-BA69-DBD14DD1D7B9}" dt="2024-01-15T08:52:25.539" v="13" actId="20577"/>
+          <ac:spMkLst>
+            <pc:docMk/>
+            <pc:sldMk cId="4061517964" sldId="1090"/>
+            <ac:spMk id="2" creationId="{B55D3284-D9F5-C6B2-7A22-5CC20791E0B1}"/>
+          </ac:spMkLst>
+        </pc:spChg>
+      </pc:sldChg>
+    </pc:docChg>
+  </pc:docChgLst>
+  <pc:docChgLst>
+    <pc:chgData name="Andreas Schmitt" userId="S::scan1116@h-ka.de::8063fb94-ab75-422e-8c1a-acc5a068cdc8" providerId="AD" clId="Web-{4A28E82F-4AAE-4A41-A134-38C7C824C94B}"/>
+    <pc:docChg chg="addSld modSld modSection">
+      <pc:chgData name="Andreas Schmitt" userId="S::scan1116@h-ka.de::8063fb94-ab75-422e-8c1a-acc5a068cdc8" providerId="AD" clId="Web-{4A28E82F-4AAE-4A41-A134-38C7C824C94B}" dt="2024-01-15T08:50:05.983" v="22" actId="20577"/>
+      <pc:docMkLst>
+        <pc:docMk/>
+      </pc:docMkLst>
+      <pc:sldChg chg="delSp modSp add replId">
+        <pc:chgData name="Andreas Schmitt" userId="S::scan1116@h-ka.de::8063fb94-ab75-422e-8c1a-acc5a068cdc8" providerId="AD" clId="Web-{4A28E82F-4AAE-4A41-A134-38C7C824C94B}" dt="2024-01-15T08:50:05.983" v="22" actId="20577"/>
+        <pc:sldMkLst>
+          <pc:docMk/>
+          <pc:sldMk cId="2319869533" sldId="1099"/>
+        </pc:sldMkLst>
+        <pc:spChg chg="mod">
+          <ac:chgData name="Andreas Schmitt" userId="S::scan1116@h-ka.de::8063fb94-ab75-422e-8c1a-acc5a068cdc8" providerId="AD" clId="Web-{4A28E82F-4AAE-4A41-A134-38C7C824C94B}" dt="2024-01-15T08:50:05.983" v="22" actId="20577"/>
+          <ac:spMkLst>
+            <pc:docMk/>
+            <pc:sldMk cId="2319869533" sldId="1099"/>
+            <ac:spMk id="7" creationId="{A945391F-F142-2DF7-18E6-0D739F709B5C}"/>
+          </ac:spMkLst>
+        </pc:spChg>
+        <pc:spChg chg="mod">
+          <ac:chgData name="Andreas Schmitt" userId="S::scan1116@h-ka.de::8063fb94-ab75-422e-8c1a-acc5a068cdc8" providerId="AD" clId="Web-{4A28E82F-4AAE-4A41-A134-38C7C824C94B}" dt="2024-01-15T08:49:46.810" v="20" actId="20577"/>
+          <ac:spMkLst>
+            <pc:docMk/>
+            <pc:sldMk cId="2319869533" sldId="1099"/>
+            <ac:spMk id="8" creationId="{E988E23E-778A-3EA9-AE8D-70D955921104}"/>
+          </ac:spMkLst>
+        </pc:spChg>
+        <pc:picChg chg="del">
+          <ac:chgData name="Andreas Schmitt" userId="S::scan1116@h-ka.de::8063fb94-ab75-422e-8c1a-acc5a068cdc8" providerId="AD" clId="Web-{4A28E82F-4AAE-4A41-A134-38C7C824C94B}" dt="2024-01-15T08:49:37.060" v="1"/>
+          <ac:picMkLst>
+            <pc:docMk/>
+            <pc:sldMk cId="2319869533" sldId="1099"/>
+            <ac:picMk id="10" creationId="{24C112A4-ACC8-F41F-AF78-BC7AE385EDB0}"/>
+          </ac:picMkLst>
+        </pc:picChg>
+      </pc:sldChg>
+    </pc:docChg>
+  </pc:docChgLst>
+  <pc:docChgLst>
+    <pc:chgData name="Andreas Schmitt" userId="S::scan1116@h-ka.de::8063fb94-ab75-422e-8c1a-acc5a068cdc8" providerId="AD" clId="Web-{27FBA170-E72C-4481-8B11-E3FBD8DEEFAB}"/>
+    <pc:docChg chg="modSld">
+      <pc:chgData name="Andreas Schmitt" userId="S::scan1116@h-ka.de::8063fb94-ab75-422e-8c1a-acc5a068cdc8" providerId="AD" clId="Web-{27FBA170-E72C-4481-8B11-E3FBD8DEEFAB}" dt="2024-01-16T09:40:04.046" v="3" actId="20577"/>
+      <pc:docMkLst>
+        <pc:docMk/>
+      </pc:docMkLst>
+      <pc:sldChg chg="modSp">
+        <pc:chgData name="Andreas Schmitt" userId="S::scan1116@h-ka.de::8063fb94-ab75-422e-8c1a-acc5a068cdc8" providerId="AD" clId="Web-{27FBA170-E72C-4481-8B11-E3FBD8DEEFAB}" dt="2024-01-16T09:40:04.046" v="3" actId="20577"/>
+        <pc:sldMkLst>
+          <pc:docMk/>
+          <pc:sldMk cId="247068245" sldId="1088"/>
+        </pc:sldMkLst>
+        <pc:spChg chg="mod">
+          <ac:chgData name="Andreas Schmitt" userId="S::scan1116@h-ka.de::8063fb94-ab75-422e-8c1a-acc5a068cdc8" providerId="AD" clId="Web-{27FBA170-E72C-4481-8B11-E3FBD8DEEFAB}" dt="2024-01-16T09:40:04.046" v="3" actId="20577"/>
+          <ac:spMkLst>
+            <pc:docMk/>
+            <pc:sldMk cId="247068245" sldId="1088"/>
+            <ac:spMk id="6" creationId="{437EFA70-C4C9-326F-CCD6-A5393B370F3C}"/>
+          </ac:spMkLst>
+        </pc:spChg>
+      </pc:sldChg>
+    </pc:docChg>
+  </pc:docChgLst>
+  <pc:docChgLst>
+    <pc:chgData name="Maurice Droll" userId="S::drma1025@h-ka.de::306cf624-762e-4805-b567-51d64146fa42" providerId="AD" clId="Web-{B29573DE-7E2E-62C6-3CE2-D2CFDB9B4E54}"/>
+    <pc:docChg chg="modSld sldOrd">
+      <pc:chgData name="Maurice Droll" userId="S::drma1025@h-ka.de::306cf624-762e-4805-b567-51d64146fa42" providerId="AD" clId="Web-{B29573DE-7E2E-62C6-3CE2-D2CFDB9B4E54}" dt="2024-01-14T18:17:19.305" v="134" actId="20577"/>
+      <pc:docMkLst>
+        <pc:docMk/>
+      </pc:docMkLst>
+      <pc:sldChg chg="modSp">
+        <pc:chgData name="Maurice Droll" userId="S::drma1025@h-ka.de::306cf624-762e-4805-b567-51d64146fa42" providerId="AD" clId="Web-{B29573DE-7E2E-62C6-3CE2-D2CFDB9B4E54}" dt="2024-01-14T18:12:21.296" v="5" actId="20577"/>
+        <pc:sldMkLst>
+          <pc:docMk/>
+          <pc:sldMk cId="454951695" sldId="1092"/>
+        </pc:sldMkLst>
+        <pc:spChg chg="mod">
+          <ac:chgData name="Maurice Droll" userId="S::drma1025@h-ka.de::306cf624-762e-4805-b567-51d64146fa42" providerId="AD" clId="Web-{B29573DE-7E2E-62C6-3CE2-D2CFDB9B4E54}" dt="2024-01-14T18:12:21.296" v="5" actId="20577"/>
+          <ac:spMkLst>
+            <pc:docMk/>
+            <pc:sldMk cId="454951695" sldId="1092"/>
+            <ac:spMk id="8" creationId="{E3A6B3C8-6F75-EB43-A1A7-16036EE670BB}"/>
+          </ac:spMkLst>
+        </pc:spChg>
+      </pc:sldChg>
+      <pc:sldChg chg="ord">
+        <pc:chgData name="Maurice Droll" userId="S::drma1025@h-ka.de::306cf624-762e-4805-b567-51d64146fa42" providerId="AD" clId="Web-{B29573DE-7E2E-62C6-3CE2-D2CFDB9B4E54}" dt="2024-01-14T18:13:03.047" v="6"/>
+        <pc:sldMkLst>
+          <pc:docMk/>
+          <pc:sldMk cId="652909132" sldId="1093"/>
+        </pc:sldMkLst>
+      </pc:sldChg>
+      <pc:sldChg chg="addSp modSp">
+        <pc:chgData name="Maurice Droll" userId="S::drma1025@h-ka.de::306cf624-762e-4805-b567-51d64146fa42" providerId="AD" clId="Web-{B29573DE-7E2E-62C6-3CE2-D2CFDB9B4E54}" dt="2024-01-14T18:17:19.305" v="134" actId="20577"/>
+        <pc:sldMkLst>
+          <pc:docMk/>
+          <pc:sldMk cId="3111353975" sldId="1094"/>
+        </pc:sldMkLst>
+        <pc:spChg chg="mod">
+          <ac:chgData name="Maurice Droll" userId="S::drma1025@h-ka.de::306cf624-762e-4805-b567-51d64146fa42" providerId="AD" clId="Web-{B29573DE-7E2E-62C6-3CE2-D2CFDB9B4E54}" dt="2024-01-14T18:16:38.054" v="109" actId="14100"/>
+          <ac:spMkLst>
+            <pc:docMk/>
+            <pc:sldMk cId="3111353975" sldId="1094"/>
+            <ac:spMk id="3" creationId="{33A6CABB-4BAF-1162-3D3D-B40EABF24B4B}"/>
+          </ac:spMkLst>
+        </pc:spChg>
+        <pc:spChg chg="add mod">
+          <ac:chgData name="Maurice Droll" userId="S::drma1025@h-ka.de::306cf624-762e-4805-b567-51d64146fa42" providerId="AD" clId="Web-{B29573DE-7E2E-62C6-3CE2-D2CFDB9B4E54}" dt="2024-01-14T18:17:13.430" v="127" actId="20577"/>
+          <ac:spMkLst>
+            <pc:docMk/>
+            <pc:sldMk cId="3111353975" sldId="1094"/>
+            <ac:spMk id="6" creationId="{965EB4DE-5658-931B-47A4-5983D1E379F4}"/>
+          </ac:spMkLst>
+        </pc:spChg>
+        <pc:spChg chg="add mod">
+          <ac:chgData name="Maurice Droll" userId="S::drma1025@h-ka.de::306cf624-762e-4805-b567-51d64146fa42" providerId="AD" clId="Web-{B29573DE-7E2E-62C6-3CE2-D2CFDB9B4E54}" dt="2024-01-14T18:16:50.179" v="114" actId="1076"/>
+          <ac:spMkLst>
+            <pc:docMk/>
+            <pc:sldMk cId="3111353975" sldId="1094"/>
+            <ac:spMk id="7" creationId="{6358756C-57FC-13A1-6FE0-19DF27B814E1}"/>
+          </ac:spMkLst>
+        </pc:spChg>
+        <pc:spChg chg="add mod">
+          <ac:chgData name="Maurice Droll" userId="S::drma1025@h-ka.de::306cf624-762e-4805-b567-51d64146fa42" providerId="AD" clId="Web-{B29573DE-7E2E-62C6-3CE2-D2CFDB9B4E54}" dt="2024-01-14T18:16:48.179" v="113" actId="1076"/>
+          <ac:spMkLst>
+            <pc:docMk/>
+            <pc:sldMk cId="3111353975" sldId="1094"/>
+            <ac:spMk id="8" creationId="{EA4E5397-F94D-2289-0FFD-4AF6298C057A}"/>
+          </ac:spMkLst>
+        </pc:spChg>
+        <pc:spChg chg="add mod">
+          <ac:chgData name="Maurice Droll" userId="S::drma1025@h-ka.de::306cf624-762e-4805-b567-51d64146fa42" providerId="AD" clId="Web-{B29573DE-7E2E-62C6-3CE2-D2CFDB9B4E54}" dt="2024-01-14T18:16:57.382" v="116" actId="1076"/>
+          <ac:spMkLst>
+            <pc:docMk/>
+            <pc:sldMk cId="3111353975" sldId="1094"/>
+            <ac:spMk id="9" creationId="{DBA3133A-00E5-D666-7584-0C71148810C1}"/>
+          </ac:spMkLst>
+        </pc:spChg>
+        <pc:spChg chg="add mod">
+          <ac:chgData name="Maurice Droll" userId="S::drma1025@h-ka.de::306cf624-762e-4805-b567-51d64146fa42" providerId="AD" clId="Web-{B29573DE-7E2E-62C6-3CE2-D2CFDB9B4E54}" dt="2024-01-14T18:17:00.992" v="118" actId="1076"/>
+          <ac:spMkLst>
+            <pc:docMk/>
+            <pc:sldMk cId="3111353975" sldId="1094"/>
+            <ac:spMk id="10" creationId="{3B42BBB8-9768-3648-6471-8E1AC28E3FA5}"/>
+          </ac:spMkLst>
+        </pc:spChg>
+        <pc:spChg chg="add mod">
+          <ac:chgData name="Maurice Droll" userId="S::drma1025@h-ka.de::306cf624-762e-4805-b567-51d64146fa42" providerId="AD" clId="Web-{B29573DE-7E2E-62C6-3CE2-D2CFDB9B4E54}" dt="2024-01-14T18:17:19.305" v="134" actId="20577"/>
+          <ac:spMkLst>
+            <pc:docMk/>
+            <pc:sldMk cId="3111353975" sldId="1094"/>
+            <ac:spMk id="11" creationId="{5D302232-D948-1DA0-56BB-035020D32B25}"/>
+          </ac:spMkLst>
+        </pc:spChg>
+      </pc:sldChg>
+    </pc:docChg>
+  </pc:docChgLst>
+  <pc:docChgLst>
+    <pc:chgData name="Maurice Droll" userId="S::drma1025@h-ka.de::306cf624-762e-4805-b567-51d64146fa42" providerId="AD" clId="Web-{8F9D384A-08E8-00C7-CB5A-A43CF671CF05}"/>
+    <pc:docChg chg="addSld modSld">
+      <pc:chgData name="Maurice Droll" userId="S::drma1025@h-ka.de::306cf624-762e-4805-b567-51d64146fa42" providerId="AD" clId="Web-{8F9D384A-08E8-00C7-CB5A-A43CF671CF05}" dt="2024-01-16T10:35:35.537" v="154" actId="14100"/>
+      <pc:docMkLst>
+        <pc:docMk/>
+      </pc:docMkLst>
+      <pc:sldChg chg="modSp">
+        <pc:chgData name="Maurice Droll" userId="S::drma1025@h-ka.de::306cf624-762e-4805-b567-51d64146fa42" providerId="AD" clId="Web-{8F9D384A-08E8-00C7-CB5A-A43CF671CF05}" dt="2024-01-16T10:35:35.537" v="154" actId="14100"/>
+        <pc:sldMkLst>
+          <pc:docMk/>
+          <pc:sldMk cId="1923399112" sldId="1087"/>
+        </pc:sldMkLst>
+        <pc:spChg chg="mod">
+          <ac:chgData name="Maurice Droll" userId="S::drma1025@h-ka.de::306cf624-762e-4805-b567-51d64146fa42" providerId="AD" clId="Web-{8F9D384A-08E8-00C7-CB5A-A43CF671CF05}" dt="2024-01-16T10:35:35.537" v="154" actId="14100"/>
+          <ac:spMkLst>
+            <pc:docMk/>
+            <pc:sldMk cId="1923399112" sldId="1087"/>
+            <ac:spMk id="8" creationId="{7AA139CD-735D-4AB8-9FCE-080BDC820787}"/>
+          </ac:spMkLst>
+        </pc:spChg>
+      </pc:sldChg>
+      <pc:sldChg chg="addSp modSp">
+        <pc:chgData name="Maurice Droll" userId="S::drma1025@h-ka.de::306cf624-762e-4805-b567-51d64146fa42" providerId="AD" clId="Web-{8F9D384A-08E8-00C7-CB5A-A43CF671CF05}" dt="2024-01-15T16:12:32.727" v="2"/>
+        <pc:sldMkLst>
+          <pc:docMk/>
+          <pc:sldMk cId="4061517964" sldId="1090"/>
+        </pc:sldMkLst>
+        <pc:spChg chg="add mod">
+          <ac:chgData name="Maurice Droll" userId="S::drma1025@h-ka.de::306cf624-762e-4805-b567-51d64146fa42" providerId="AD" clId="Web-{8F9D384A-08E8-00C7-CB5A-A43CF671CF05}" dt="2024-01-15T16:12:32.727" v="2"/>
+          <ac:spMkLst>
+            <pc:docMk/>
+            <pc:sldMk cId="4061517964" sldId="1090"/>
+            <ac:spMk id="2" creationId="{56EFD822-F0D6-BBBE-6251-8C0E87573559}"/>
+          </ac:spMkLst>
+        </pc:spChg>
+      </pc:sldChg>
+      <pc:sldChg chg="modSp">
+        <pc:chgData name="Maurice Droll" userId="S::drma1025@h-ka.de::306cf624-762e-4805-b567-51d64146fa42" providerId="AD" clId="Web-{8F9D384A-08E8-00C7-CB5A-A43CF671CF05}" dt="2024-01-15T17:54:56.683" v="64" actId="20577"/>
+        <pc:sldMkLst>
+          <pc:docMk/>
+          <pc:sldMk cId="4000893962" sldId="1101"/>
+        </pc:sldMkLst>
+        <pc:spChg chg="mod">
+          <ac:chgData name="Maurice Droll" userId="S::drma1025@h-ka.de::306cf624-762e-4805-b567-51d64146fa42" providerId="AD" clId="Web-{8F9D384A-08E8-00C7-CB5A-A43CF671CF05}" dt="2024-01-15T17:54:56.683" v="64" actId="20577"/>
+          <ac:spMkLst>
+            <pc:docMk/>
+            <pc:sldMk cId="4000893962" sldId="1101"/>
+            <ac:spMk id="3" creationId="{72B47EB2-3EE4-8A53-1DF6-D47A55ECE0E9}"/>
+          </ac:spMkLst>
+        </pc:spChg>
+      </pc:sldChg>
+      <pc:sldChg chg="addSp delSp modSp new mod modClrScheme chgLayout">
+        <pc:chgData name="Maurice Droll" userId="S::drma1025@h-ka.de::306cf624-762e-4805-b567-51d64146fa42" providerId="AD" clId="Web-{8F9D384A-08E8-00C7-CB5A-A43CF671CF05}" dt="2024-01-15T18:20:47.799" v="145"/>
+        <pc:sldMkLst>
+          <pc:docMk/>
+          <pc:sldMk cId="105000510" sldId="1102"/>
+        </pc:sldMkLst>
+        <pc:spChg chg="mod ord">
+          <ac:chgData name="Maurice Droll" userId="S::drma1025@h-ka.de::306cf624-762e-4805-b567-51d64146fa42" providerId="AD" clId="Web-{8F9D384A-08E8-00C7-CB5A-A43CF671CF05}" dt="2024-01-15T17:56:17.513" v="77"/>
+          <ac:spMkLst>
+            <pc:docMk/>
+            <pc:sldMk cId="105000510" sldId="1102"/>
+            <ac:spMk id="2" creationId="{7B541703-1F97-DF24-4C01-C47367B6B1D8}"/>
+          </ac:spMkLst>
+        </pc:spChg>
+        <pc:spChg chg="del mod ord">
+          <ac:chgData name="Maurice Droll" userId="S::drma1025@h-ka.de::306cf624-762e-4805-b567-51d64146fa42" providerId="AD" clId="Web-{8F9D384A-08E8-00C7-CB5A-A43CF671CF05}" dt="2024-01-15T17:57:22.141" v="78"/>
+          <ac:spMkLst>
+            <pc:docMk/>
+            <pc:sldMk cId="105000510" sldId="1102"/>
+            <ac:spMk id="3" creationId="{0A7B7BE6-57D4-939A-38D1-F8230A592D45}"/>
+          </ac:spMkLst>
+        </pc:spChg>
+        <pc:spChg chg="del">
+          <ac:chgData name="Maurice Droll" userId="S::drma1025@h-ka.de::306cf624-762e-4805-b567-51d64146fa42" providerId="AD" clId="Web-{8F9D384A-08E8-00C7-CB5A-A43CF671CF05}" dt="2024-01-15T17:56:17.513" v="77"/>
+          <ac:spMkLst>
+            <pc:docMk/>
+            <pc:sldMk cId="105000510" sldId="1102"/>
+            <ac:spMk id="4" creationId="{7C2E4785-7177-2539-F420-7FCD49802B3A}"/>
+          </ac:spMkLst>
+        </pc:spChg>
+        <pc:spChg chg="mod ord">
+          <ac:chgData name="Maurice Droll" userId="S::drma1025@h-ka.de::306cf624-762e-4805-b567-51d64146fa42" providerId="AD" clId="Web-{8F9D384A-08E8-00C7-CB5A-A43CF671CF05}" dt="2024-01-15T17:56:17.513" v="77"/>
+          <ac:spMkLst>
+            <pc:docMk/>
+            <pc:sldMk cId="105000510" sldId="1102"/>
+            <ac:spMk id="5" creationId="{E2C1A03B-4013-21C3-830F-E8D301FC9A50}"/>
+          </ac:spMkLst>
+        </pc:spChg>
+        <pc:spChg chg="mod ord">
+          <ac:chgData name="Maurice Droll" userId="S::drma1025@h-ka.de::306cf624-762e-4805-b567-51d64146fa42" providerId="AD" clId="Web-{8F9D384A-08E8-00C7-CB5A-A43CF671CF05}" dt="2024-01-15T17:56:17.513" v="77"/>
+          <ac:spMkLst>
+            <pc:docMk/>
+            <pc:sldMk cId="105000510" sldId="1102"/>
+            <ac:spMk id="6" creationId="{198383C1-8BE6-4297-2F68-65F139569518}"/>
+          </ac:spMkLst>
+        </pc:spChg>
+        <pc:picChg chg="add del mod">
+          <ac:chgData name="Maurice Droll" userId="S::drma1025@h-ka.de::306cf624-762e-4805-b567-51d64146fa42" providerId="AD" clId="Web-{8F9D384A-08E8-00C7-CB5A-A43CF671CF05}" dt="2024-01-15T18:04:36.531" v="83"/>
+          <ac:picMkLst>
+            <pc:docMk/>
+            <pc:sldMk cId="105000510" sldId="1102"/>
+            <ac:picMk id="7" creationId="{C637D433-7671-2258-E10E-7DE9715D6C89}"/>
+          </ac:picMkLst>
+        </pc:picChg>
+        <pc:picChg chg="add del mod">
+          <ac:chgData name="Maurice Droll" userId="S::drma1025@h-ka.de::306cf624-762e-4805-b567-51d64146fa42" providerId="AD" clId="Web-{8F9D384A-08E8-00C7-CB5A-A43CF671CF05}" dt="2024-01-15T18:04:55.453" v="85"/>
+          <ac:picMkLst>
+            <pc:docMk/>
+            <pc:sldMk cId="105000510" sldId="1102"/>
+            <ac:picMk id="8" creationId="{CF713B3F-2CDF-8738-EF7F-20C707955501}"/>
+          </ac:picMkLst>
+        </pc:picChg>
+        <pc:picChg chg="add mod">
+          <ac:chgData name="Maurice Droll" userId="S::drma1025@h-ka.de::306cf624-762e-4805-b567-51d64146fa42" providerId="AD" clId="Web-{8F9D384A-08E8-00C7-CB5A-A43CF671CF05}" dt="2024-01-15T18:20:41.330" v="143"/>
+          <ac:picMkLst>
+            <pc:docMk/>
+            <pc:sldMk cId="105000510" sldId="1102"/>
+            <ac:picMk id="9" creationId="{38A007D6-D175-6B39-9EE8-41D9E8F8ED0F}"/>
+          </ac:picMkLst>
+        </pc:picChg>
+        <pc:picChg chg="add mod">
+          <ac:chgData name="Maurice Droll" userId="S::drma1025@h-ka.de::306cf624-762e-4805-b567-51d64146fa42" providerId="AD" clId="Web-{8F9D384A-08E8-00C7-CB5A-A43CF671CF05}" dt="2024-01-15T18:20:44.799" v="144"/>
+          <ac:picMkLst>
+            <pc:docMk/>
+            <pc:sldMk cId="105000510" sldId="1102"/>
+            <ac:picMk id="10" creationId="{11EA6DC1-BB33-40A9-B59B-9B46853C72B5}"/>
+          </ac:picMkLst>
+        </pc:picChg>
+        <pc:picChg chg="add mod">
+          <ac:chgData name="Maurice Droll" userId="S::drma1025@h-ka.de::306cf624-762e-4805-b567-51d64146fa42" providerId="AD" clId="Web-{8F9D384A-08E8-00C7-CB5A-A43CF671CF05}" dt="2024-01-15T18:20:47.799" v="145"/>
+          <ac:picMkLst>
+            <pc:docMk/>
+            <pc:sldMk cId="105000510" sldId="1102"/>
+            <ac:picMk id="11" creationId="{3F01A124-2A57-0190-389A-2630C19E028A}"/>
+          </ac:picMkLst>
+        </pc:picChg>
+        <pc:picChg chg="add mod">
+          <ac:chgData name="Maurice Droll" userId="S::drma1025@h-ka.de::306cf624-762e-4805-b567-51d64146fa42" providerId="AD" clId="Web-{8F9D384A-08E8-00C7-CB5A-A43CF671CF05}" dt="2024-01-15T18:14:43.193" v="132" actId="1076"/>
+          <ac:picMkLst>
+            <pc:docMk/>
+            <pc:sldMk cId="105000510" sldId="1102"/>
+            <ac:picMk id="12" creationId="{3B5DC5A6-F667-1692-0C4D-48954876E196}"/>
+          </ac:picMkLst>
+        </pc:picChg>
+        <pc:picChg chg="add del mod">
+          <ac:chgData name="Maurice Droll" userId="S::drma1025@h-ka.de::306cf624-762e-4805-b567-51d64146fa42" providerId="AD" clId="Web-{8F9D384A-08E8-00C7-CB5A-A43CF671CF05}" dt="2024-01-15T18:19:44.187" v="139"/>
+          <ac:picMkLst>
+            <pc:docMk/>
+            <pc:sldMk cId="105000510" sldId="1102"/>
+            <ac:picMk id="13" creationId="{309869FC-2DB4-E817-A83A-975E02319076}"/>
+          </ac:picMkLst>
+        </pc:picChg>
+        <pc:picChg chg="add mod">
+          <ac:chgData name="Maurice Droll" userId="S::drma1025@h-ka.de::306cf624-762e-4805-b567-51d64146fa42" providerId="AD" clId="Web-{8F9D384A-08E8-00C7-CB5A-A43CF671CF05}" dt="2024-01-15T18:19:57.375" v="142" actId="1076"/>
+          <ac:picMkLst>
+            <pc:docMk/>
+            <pc:sldMk cId="105000510" sldId="1102"/>
+            <ac:picMk id="14" creationId="{C0B93AC2-DB70-E7B9-A7EA-8E95BC8F8592}"/>
+          </ac:picMkLst>
+        </pc:picChg>
       </pc:sldChg>
     </pc:docChg>
   </pc:docChgLst>
@@ -2497,191 +2682,57 @@
     </pc:docChg>
   </pc:docChgLst>
   <pc:docChgLst>
-    <pc:chgData name="Andreas Schmitt" userId="S::scan1116@h-ka.de::8063fb94-ab75-422e-8c1a-acc5a068cdc8" providerId="AD" clId="Web-{27FBA170-E72C-4481-8B11-E3FBD8DEEFAB}"/>
-    <pc:docChg chg="modSld">
-      <pc:chgData name="Andreas Schmitt" userId="S::scan1116@h-ka.de::8063fb94-ab75-422e-8c1a-acc5a068cdc8" providerId="AD" clId="Web-{27FBA170-E72C-4481-8B11-E3FBD8DEEFAB}" dt="2024-01-16T09:40:04.046" v="3" actId="20577"/>
+    <pc:chgData name="Andreas Schmitt" userId="5207b21e-2ba2-46ed-97b4-17ee4e0d2c68" providerId="ADAL" clId="{841604A0-02FB-42F2-A960-D70FAC5CDE15}"/>
+    <pc:docChg chg="custSel addSld modSld">
+      <pc:chgData name="Andreas Schmitt" userId="5207b21e-2ba2-46ed-97b4-17ee4e0d2c68" providerId="ADAL" clId="{841604A0-02FB-42F2-A960-D70FAC5CDE15}" dt="2024-01-23T17:18:10.115" v="16" actId="729"/>
       <pc:docMkLst>
         <pc:docMk/>
       </pc:docMkLst>
-      <pc:sldChg chg="modSp">
-        <pc:chgData name="Andreas Schmitt" userId="S::scan1116@h-ka.de::8063fb94-ab75-422e-8c1a-acc5a068cdc8" providerId="AD" clId="Web-{27FBA170-E72C-4481-8B11-E3FBD8DEEFAB}" dt="2024-01-16T09:40:04.046" v="3" actId="20577"/>
+      <pc:sldChg chg="modSp mod">
+        <pc:chgData name="Andreas Schmitt" userId="5207b21e-2ba2-46ed-97b4-17ee4e0d2c68" providerId="ADAL" clId="{841604A0-02FB-42F2-A960-D70FAC5CDE15}" dt="2024-01-23T17:16:40.467" v="6"/>
         <pc:sldMkLst>
           <pc:docMk/>
-          <pc:sldMk cId="247068245" sldId="1088"/>
+          <pc:sldMk cId="2988925347" sldId="1098"/>
         </pc:sldMkLst>
         <pc:spChg chg="mod">
-          <ac:chgData name="Andreas Schmitt" userId="S::scan1116@h-ka.de::8063fb94-ab75-422e-8c1a-acc5a068cdc8" providerId="AD" clId="Web-{27FBA170-E72C-4481-8B11-E3FBD8DEEFAB}" dt="2024-01-16T09:40:04.046" v="3" actId="20577"/>
+          <ac:chgData name="Andreas Schmitt" userId="5207b21e-2ba2-46ed-97b4-17ee4e0d2c68" providerId="ADAL" clId="{841604A0-02FB-42F2-A960-D70FAC5CDE15}" dt="2024-01-23T17:16:35.860" v="5" actId="1076"/>
           <ac:spMkLst>
             <pc:docMk/>
-            <pc:sldMk cId="247068245" sldId="1088"/>
-            <ac:spMk id="6" creationId="{437EFA70-C4C9-326F-CCD6-A5393B370F3C}"/>
+            <pc:sldMk cId="2988925347" sldId="1098"/>
+            <ac:spMk id="2" creationId="{657A3BA6-B2D0-2FB5-4F5D-16035F781FB7}"/>
           </ac:spMkLst>
         </pc:spChg>
+        <pc:graphicFrameChg chg="mod">
+          <ac:chgData name="Andreas Schmitt" userId="5207b21e-2ba2-46ed-97b4-17ee4e0d2c68" providerId="ADAL" clId="{841604A0-02FB-42F2-A960-D70FAC5CDE15}" dt="2024-01-23T17:16:40.467" v="6"/>
+          <ac:graphicFrameMkLst>
+            <pc:docMk/>
+            <pc:sldMk cId="2988925347" sldId="1098"/>
+            <ac:graphicFrameMk id="7" creationId="{EE744F85-9F12-01F6-E25A-9FBC56D818FC}"/>
+          </ac:graphicFrameMkLst>
+        </pc:graphicFrameChg>
       </pc:sldChg>
-    </pc:docChg>
-  </pc:docChgLst>
-  <pc:docChgLst>
-    <pc:chgData name="Maurice Droll" userId="S::drma1025@h-ka.de::306cf624-762e-4805-b567-51d64146fa42" providerId="AD" clId="Web-{8F9D384A-08E8-00C7-CB5A-A43CF671CF05}"/>
-    <pc:docChg chg="addSld modSld">
-      <pc:chgData name="Maurice Droll" userId="S::drma1025@h-ka.de::306cf624-762e-4805-b567-51d64146fa42" providerId="AD" clId="Web-{8F9D384A-08E8-00C7-CB5A-A43CF671CF05}" dt="2024-01-16T10:35:35.537" v="154" actId="14100"/>
-      <pc:docMkLst>
-        <pc:docMk/>
-      </pc:docMkLst>
-      <pc:sldChg chg="modSp">
-        <pc:chgData name="Maurice Droll" userId="S::drma1025@h-ka.de::306cf624-762e-4805-b567-51d64146fa42" providerId="AD" clId="Web-{8F9D384A-08E8-00C7-CB5A-A43CF671CF05}" dt="2024-01-16T10:35:35.537" v="154" actId="14100"/>
+      <pc:sldChg chg="addSp delSp modSp add mod modShow">
+        <pc:chgData name="Andreas Schmitt" userId="5207b21e-2ba2-46ed-97b4-17ee4e0d2c68" providerId="ADAL" clId="{841604A0-02FB-42F2-A960-D70FAC5CDE15}" dt="2024-01-23T17:18:10.115" v="16" actId="729"/>
         <pc:sldMkLst>
           <pc:docMk/>
-          <pc:sldMk cId="1923399112" sldId="1087"/>
+          <pc:sldMk cId="3587079978" sldId="1104"/>
         </pc:sldMkLst>
-        <pc:spChg chg="mod">
-          <ac:chgData name="Maurice Droll" userId="S::drma1025@h-ka.de::306cf624-762e-4805-b567-51d64146fa42" providerId="AD" clId="Web-{8F9D384A-08E8-00C7-CB5A-A43CF671CF05}" dt="2024-01-16T10:35:35.537" v="154" actId="14100"/>
-          <ac:spMkLst>
+        <pc:graphicFrameChg chg="add mod">
+          <ac:chgData name="Andreas Schmitt" userId="5207b21e-2ba2-46ed-97b4-17ee4e0d2c68" providerId="ADAL" clId="{841604A0-02FB-42F2-A960-D70FAC5CDE15}" dt="2024-01-23T17:17:48.347" v="15" actId="14100"/>
+          <ac:graphicFrameMkLst>
             <pc:docMk/>
-            <pc:sldMk cId="1923399112" sldId="1087"/>
-            <ac:spMk id="8" creationId="{7AA139CD-735D-4AB8-9FCE-080BDC820787}"/>
-          </ac:spMkLst>
-        </pc:spChg>
-      </pc:sldChg>
-      <pc:sldChg chg="addSp modSp">
-        <pc:chgData name="Maurice Droll" userId="S::drma1025@h-ka.de::306cf624-762e-4805-b567-51d64146fa42" providerId="AD" clId="Web-{8F9D384A-08E8-00C7-CB5A-A43CF671CF05}" dt="2024-01-15T16:12:32.727" v="2"/>
-        <pc:sldMkLst>
-          <pc:docMk/>
-          <pc:sldMk cId="4061517964" sldId="1090"/>
-        </pc:sldMkLst>
-        <pc:spChg chg="add mod">
-          <ac:chgData name="Maurice Droll" userId="S::drma1025@h-ka.de::306cf624-762e-4805-b567-51d64146fa42" providerId="AD" clId="Web-{8F9D384A-08E8-00C7-CB5A-A43CF671CF05}" dt="2024-01-15T16:12:32.727" v="2"/>
-          <ac:spMkLst>
+            <pc:sldMk cId="3587079978" sldId="1104"/>
+            <ac:graphicFrameMk id="3" creationId="{596ECFA4-3E20-975E-9F8A-010B6EACD89A}"/>
+          </ac:graphicFrameMkLst>
+        </pc:graphicFrameChg>
+        <pc:graphicFrameChg chg="del">
+          <ac:chgData name="Andreas Schmitt" userId="5207b21e-2ba2-46ed-97b4-17ee4e0d2c68" providerId="ADAL" clId="{841604A0-02FB-42F2-A960-D70FAC5CDE15}" dt="2024-01-23T17:16:23.341" v="1" actId="478"/>
+          <ac:graphicFrameMkLst>
             <pc:docMk/>
-            <pc:sldMk cId="4061517964" sldId="1090"/>
-            <ac:spMk id="2" creationId="{56EFD822-F0D6-BBBE-6251-8C0E87573559}"/>
-          </ac:spMkLst>
-        </pc:spChg>
-      </pc:sldChg>
-      <pc:sldChg chg="modSp">
-        <pc:chgData name="Maurice Droll" userId="S::drma1025@h-ka.de::306cf624-762e-4805-b567-51d64146fa42" providerId="AD" clId="Web-{8F9D384A-08E8-00C7-CB5A-A43CF671CF05}" dt="2024-01-15T17:54:56.683" v="64" actId="20577"/>
-        <pc:sldMkLst>
-          <pc:docMk/>
-          <pc:sldMk cId="4000893962" sldId="1101"/>
-        </pc:sldMkLst>
-        <pc:spChg chg="mod">
-          <ac:chgData name="Maurice Droll" userId="S::drma1025@h-ka.de::306cf624-762e-4805-b567-51d64146fa42" providerId="AD" clId="Web-{8F9D384A-08E8-00C7-CB5A-A43CF671CF05}" dt="2024-01-15T17:54:56.683" v="64" actId="20577"/>
-          <ac:spMkLst>
-            <pc:docMk/>
-            <pc:sldMk cId="4000893962" sldId="1101"/>
-            <ac:spMk id="3" creationId="{72B47EB2-3EE4-8A53-1DF6-D47A55ECE0E9}"/>
-          </ac:spMkLst>
-        </pc:spChg>
-      </pc:sldChg>
-      <pc:sldChg chg="addSp delSp modSp new mod modClrScheme chgLayout">
-        <pc:chgData name="Maurice Droll" userId="S::drma1025@h-ka.de::306cf624-762e-4805-b567-51d64146fa42" providerId="AD" clId="Web-{8F9D384A-08E8-00C7-CB5A-A43CF671CF05}" dt="2024-01-15T18:20:47.799" v="145"/>
-        <pc:sldMkLst>
-          <pc:docMk/>
-          <pc:sldMk cId="105000510" sldId="1102"/>
-        </pc:sldMkLst>
-        <pc:spChg chg="mod ord">
-          <ac:chgData name="Maurice Droll" userId="S::drma1025@h-ka.de::306cf624-762e-4805-b567-51d64146fa42" providerId="AD" clId="Web-{8F9D384A-08E8-00C7-CB5A-A43CF671CF05}" dt="2024-01-15T17:56:17.513" v="77"/>
-          <ac:spMkLst>
-            <pc:docMk/>
-            <pc:sldMk cId="105000510" sldId="1102"/>
-            <ac:spMk id="2" creationId="{7B541703-1F97-DF24-4C01-C47367B6B1D8}"/>
-          </ac:spMkLst>
-        </pc:spChg>
-        <pc:spChg chg="del mod ord">
-          <ac:chgData name="Maurice Droll" userId="S::drma1025@h-ka.de::306cf624-762e-4805-b567-51d64146fa42" providerId="AD" clId="Web-{8F9D384A-08E8-00C7-CB5A-A43CF671CF05}" dt="2024-01-15T17:57:22.141" v="78"/>
-          <ac:spMkLst>
-            <pc:docMk/>
-            <pc:sldMk cId="105000510" sldId="1102"/>
-            <ac:spMk id="3" creationId="{0A7B7BE6-57D4-939A-38D1-F8230A592D45}"/>
-          </ac:spMkLst>
-        </pc:spChg>
-        <pc:spChg chg="del">
-          <ac:chgData name="Maurice Droll" userId="S::drma1025@h-ka.de::306cf624-762e-4805-b567-51d64146fa42" providerId="AD" clId="Web-{8F9D384A-08E8-00C7-CB5A-A43CF671CF05}" dt="2024-01-15T17:56:17.513" v="77"/>
-          <ac:spMkLst>
-            <pc:docMk/>
-            <pc:sldMk cId="105000510" sldId="1102"/>
-            <ac:spMk id="4" creationId="{7C2E4785-7177-2539-F420-7FCD49802B3A}"/>
-          </ac:spMkLst>
-        </pc:spChg>
-        <pc:spChg chg="mod ord">
-          <ac:chgData name="Maurice Droll" userId="S::drma1025@h-ka.de::306cf624-762e-4805-b567-51d64146fa42" providerId="AD" clId="Web-{8F9D384A-08E8-00C7-CB5A-A43CF671CF05}" dt="2024-01-15T17:56:17.513" v="77"/>
-          <ac:spMkLst>
-            <pc:docMk/>
-            <pc:sldMk cId="105000510" sldId="1102"/>
-            <ac:spMk id="5" creationId="{E2C1A03B-4013-21C3-830F-E8D301FC9A50}"/>
-          </ac:spMkLst>
-        </pc:spChg>
-        <pc:spChg chg="mod ord">
-          <ac:chgData name="Maurice Droll" userId="S::drma1025@h-ka.de::306cf624-762e-4805-b567-51d64146fa42" providerId="AD" clId="Web-{8F9D384A-08E8-00C7-CB5A-A43CF671CF05}" dt="2024-01-15T17:56:17.513" v="77"/>
-          <ac:spMkLst>
-            <pc:docMk/>
-            <pc:sldMk cId="105000510" sldId="1102"/>
-            <ac:spMk id="6" creationId="{198383C1-8BE6-4297-2F68-65F139569518}"/>
-          </ac:spMkLst>
-        </pc:spChg>
-        <pc:picChg chg="add del mod">
-          <ac:chgData name="Maurice Droll" userId="S::drma1025@h-ka.de::306cf624-762e-4805-b567-51d64146fa42" providerId="AD" clId="Web-{8F9D384A-08E8-00C7-CB5A-A43CF671CF05}" dt="2024-01-15T18:04:36.531" v="83"/>
-          <ac:picMkLst>
-            <pc:docMk/>
-            <pc:sldMk cId="105000510" sldId="1102"/>
-            <ac:picMk id="7" creationId="{C637D433-7671-2258-E10E-7DE9715D6C89}"/>
-          </ac:picMkLst>
-        </pc:picChg>
-        <pc:picChg chg="add del mod">
-          <ac:chgData name="Maurice Droll" userId="S::drma1025@h-ka.de::306cf624-762e-4805-b567-51d64146fa42" providerId="AD" clId="Web-{8F9D384A-08E8-00C7-CB5A-A43CF671CF05}" dt="2024-01-15T18:04:55.453" v="85"/>
-          <ac:picMkLst>
-            <pc:docMk/>
-            <pc:sldMk cId="105000510" sldId="1102"/>
-            <ac:picMk id="8" creationId="{CF713B3F-2CDF-8738-EF7F-20C707955501}"/>
-          </ac:picMkLst>
-        </pc:picChg>
-        <pc:picChg chg="add mod">
-          <ac:chgData name="Maurice Droll" userId="S::drma1025@h-ka.de::306cf624-762e-4805-b567-51d64146fa42" providerId="AD" clId="Web-{8F9D384A-08E8-00C7-CB5A-A43CF671CF05}" dt="2024-01-15T18:20:41.330" v="143"/>
-          <ac:picMkLst>
-            <pc:docMk/>
-            <pc:sldMk cId="105000510" sldId="1102"/>
-            <ac:picMk id="9" creationId="{38A007D6-D175-6B39-9EE8-41D9E8F8ED0F}"/>
-          </ac:picMkLst>
-        </pc:picChg>
-        <pc:picChg chg="add mod">
-          <ac:chgData name="Maurice Droll" userId="S::drma1025@h-ka.de::306cf624-762e-4805-b567-51d64146fa42" providerId="AD" clId="Web-{8F9D384A-08E8-00C7-CB5A-A43CF671CF05}" dt="2024-01-15T18:20:44.799" v="144"/>
-          <ac:picMkLst>
-            <pc:docMk/>
-            <pc:sldMk cId="105000510" sldId="1102"/>
-            <ac:picMk id="10" creationId="{11EA6DC1-BB33-40A9-B59B-9B46853C72B5}"/>
-          </ac:picMkLst>
-        </pc:picChg>
-        <pc:picChg chg="add mod">
-          <ac:chgData name="Maurice Droll" userId="S::drma1025@h-ka.de::306cf624-762e-4805-b567-51d64146fa42" providerId="AD" clId="Web-{8F9D384A-08E8-00C7-CB5A-A43CF671CF05}" dt="2024-01-15T18:20:47.799" v="145"/>
-          <ac:picMkLst>
-            <pc:docMk/>
-            <pc:sldMk cId="105000510" sldId="1102"/>
-            <ac:picMk id="11" creationId="{3F01A124-2A57-0190-389A-2630C19E028A}"/>
-          </ac:picMkLst>
-        </pc:picChg>
-        <pc:picChg chg="add mod">
-          <ac:chgData name="Maurice Droll" userId="S::drma1025@h-ka.de::306cf624-762e-4805-b567-51d64146fa42" providerId="AD" clId="Web-{8F9D384A-08E8-00C7-CB5A-A43CF671CF05}" dt="2024-01-15T18:14:43.193" v="132" actId="1076"/>
-          <ac:picMkLst>
-            <pc:docMk/>
-            <pc:sldMk cId="105000510" sldId="1102"/>
-            <ac:picMk id="12" creationId="{3B5DC5A6-F667-1692-0C4D-48954876E196}"/>
-          </ac:picMkLst>
-        </pc:picChg>
-        <pc:picChg chg="add del mod">
-          <ac:chgData name="Maurice Droll" userId="S::drma1025@h-ka.de::306cf624-762e-4805-b567-51d64146fa42" providerId="AD" clId="Web-{8F9D384A-08E8-00C7-CB5A-A43CF671CF05}" dt="2024-01-15T18:19:44.187" v="139"/>
-          <ac:picMkLst>
-            <pc:docMk/>
-            <pc:sldMk cId="105000510" sldId="1102"/>
-            <ac:picMk id="13" creationId="{309869FC-2DB4-E817-A83A-975E02319076}"/>
-          </ac:picMkLst>
-        </pc:picChg>
-        <pc:picChg chg="add mod">
-          <ac:chgData name="Maurice Droll" userId="S::drma1025@h-ka.de::306cf624-762e-4805-b567-51d64146fa42" providerId="AD" clId="Web-{8F9D384A-08E8-00C7-CB5A-A43CF671CF05}" dt="2024-01-15T18:19:57.375" v="142" actId="1076"/>
-          <ac:picMkLst>
-            <pc:docMk/>
-            <pc:sldMk cId="105000510" sldId="1102"/>
-            <ac:picMk id="14" creationId="{C0B93AC2-DB70-E7B9-A7EA-8E95BC8F8592}"/>
-          </ac:picMkLst>
-        </pc:picChg>
+            <pc:sldMk cId="3587079978" sldId="1104"/>
+            <ac:graphicFrameMk id="7" creationId="{EE744F85-9F12-01F6-E25A-9FBC56D818FC}"/>
+          </ac:graphicFrameMkLst>
+        </pc:graphicFrameChg>
       </pc:sldChg>
     </pc:docChg>
   </pc:docChgLst>
@@ -2691,7 +2742,7 @@
 <file path=ppt/charts/chart1.xml><?xml version="1.0" encoding="utf-8"?>
 <c:chartSpace xmlns:c="http://schemas.openxmlformats.org/drawingml/2006/chart" xmlns:a="http://schemas.openxmlformats.org/drawingml/2006/main" xmlns:r="http://schemas.openxmlformats.org/officeDocument/2006/relationships" xmlns:c16r2="http://schemas.microsoft.com/office/drawing/2015/06/chart">
   <c:date1904 val="0"/>
-  <c:lang val="en-US"/>
+  <c:lang val="de-DE"/>
   <c:roundedCorners val="0"/>
   <mc:AlternateContent xmlns:mc="http://schemas.openxmlformats.org/markup-compatibility/2006">
     <mc:Choice xmlns:c14="http://schemas.microsoft.com/office/drawing/2007/8/2/chart" Requires="c14">
@@ -2762,7 +2813,7 @@
               <a:cs typeface="+mn-cs"/>
             </a:defRPr>
           </a:pPr>
-          <a:endParaRPr lang="en-US"/>
+          <a:endParaRPr lang="de-DE"/>
         </a:p>
       </c:txPr>
     </c:title>
@@ -3169,7 +3220,7 @@
                 <a:cs typeface="+mn-cs"/>
               </a:defRPr>
             </a:pPr>
-            <a:endParaRPr lang="en-US"/>
+            <a:endParaRPr lang="de-DE"/>
           </a:p>
         </c:txPr>
         <c:crossAx val="53892768"/>
@@ -3251,7 +3302,7 @@
                   <a:cs typeface="+mn-cs"/>
                 </a:defRPr>
               </a:pPr>
-              <a:endParaRPr lang="en-US"/>
+              <a:endParaRPr lang="de-DE"/>
             </a:p>
           </c:txPr>
         </c:title>
@@ -3283,7 +3334,7 @@
                 <a:cs typeface="+mn-cs"/>
               </a:defRPr>
             </a:pPr>
-            <a:endParaRPr lang="en-US"/>
+            <a:endParaRPr lang="de-DE"/>
           </a:p>
         </c:txPr>
         <c:crossAx val="85767360"/>
@@ -3326,7 +3377,7 @@
               <a:cs typeface="+mn-cs"/>
             </a:defRPr>
           </a:pPr>
-          <a:endParaRPr lang="en-US"/>
+          <a:endParaRPr lang="de-DE"/>
         </a:p>
       </c:txPr>
     </c:legend>
@@ -3348,7 +3399,7 @@
       <a:pPr>
         <a:defRPr sz="1600"/>
       </a:pPr>
-      <a:endParaRPr lang="en-US"/>
+      <a:endParaRPr lang="de-DE"/>
     </a:p>
   </c:txPr>
   <c:externalData r:id="rId3">
@@ -3360,7 +3411,7 @@
 <file path=ppt/charts/chart2.xml><?xml version="1.0" encoding="utf-8"?>
 <c:chartSpace xmlns:c="http://schemas.openxmlformats.org/drawingml/2006/chart" xmlns:a="http://schemas.openxmlformats.org/drawingml/2006/main" xmlns:r="http://schemas.openxmlformats.org/officeDocument/2006/relationships" xmlns:c16r2="http://schemas.microsoft.com/office/drawing/2015/06/chart">
   <c:date1904 val="0"/>
-  <c:lang val="en-US"/>
+  <c:lang val="de-DE"/>
   <c:roundedCorners val="0"/>
   <mc:AlternateContent xmlns:mc="http://schemas.openxmlformats.org/markup-compatibility/2006">
     <mc:Choice xmlns:c14="http://schemas.microsoft.com/office/drawing/2007/8/2/chart" Requires="c14">
@@ -3431,7 +3482,7 @@
               <a:cs typeface="+mn-cs"/>
             </a:defRPr>
           </a:pPr>
-          <a:endParaRPr lang="en-US"/>
+          <a:endParaRPr lang="de-DE"/>
         </a:p>
       </c:txPr>
     </c:title>
@@ -3828,7 +3879,7 @@
                 <a:cs typeface="+mn-cs"/>
               </a:defRPr>
             </a:pPr>
-            <a:endParaRPr lang="en-US"/>
+            <a:endParaRPr lang="de-DE"/>
           </a:p>
         </c:txPr>
         <c:crossAx val="1900428191"/>
@@ -3911,7 +3962,7 @@
                   <a:cs typeface="+mn-cs"/>
                 </a:defRPr>
               </a:pPr>
-              <a:endParaRPr lang="en-US"/>
+              <a:endParaRPr lang="de-DE"/>
             </a:p>
           </c:txPr>
         </c:title>
@@ -3943,7 +3994,7 @@
                 <a:cs typeface="+mn-cs"/>
               </a:defRPr>
             </a:pPr>
-            <a:endParaRPr lang="en-US"/>
+            <a:endParaRPr lang="de-DE"/>
           </a:p>
         </c:txPr>
         <c:crossAx val="347773039"/>
@@ -3985,7 +4036,7 @@
               <a:cs typeface="+mn-cs"/>
             </a:defRPr>
           </a:pPr>
-          <a:endParaRPr lang="en-US"/>
+          <a:endParaRPr lang="de-DE"/>
         </a:p>
       </c:txPr>
     </c:legend>
@@ -4007,7 +4058,7 @@
       <a:pPr>
         <a:defRPr sz="1600"/>
       </a:pPr>
-      <a:endParaRPr lang="en-US"/>
+      <a:endParaRPr lang="de-DE"/>
     </a:p>
   </c:txPr>
   <c:externalData r:id="rId3">
@@ -4019,7 +4070,7 @@
 <file path=ppt/charts/chart3.xml><?xml version="1.0" encoding="utf-8"?>
 <c:chartSpace xmlns:c="http://schemas.openxmlformats.org/drawingml/2006/chart" xmlns:a="http://schemas.openxmlformats.org/drawingml/2006/main" xmlns:r="http://schemas.openxmlformats.org/officeDocument/2006/relationships" xmlns:c16r2="http://schemas.microsoft.com/office/drawing/2015/06/chart">
   <c:date1904 val="0"/>
-  <c:lang val="en-US"/>
+  <c:lang val="de-DE"/>
   <c:roundedCorners val="0"/>
   <mc:AlternateContent xmlns:mc="http://schemas.openxmlformats.org/markup-compatibility/2006">
     <mc:Choice xmlns:c14="http://schemas.microsoft.com/office/drawing/2007/8/2/chart" Requires="c14">
@@ -4090,7 +4141,7 @@
               <a:cs typeface="+mn-cs"/>
             </a:defRPr>
           </a:pPr>
-          <a:endParaRPr lang="en-US"/>
+          <a:endParaRPr lang="de-DE"/>
         </a:p>
       </c:txPr>
     </c:title>
@@ -4487,7 +4538,7 @@
                 <a:cs typeface="+mn-cs"/>
               </a:defRPr>
             </a:pPr>
-            <a:endParaRPr lang="en-US"/>
+            <a:endParaRPr lang="de-DE"/>
           </a:p>
         </c:txPr>
         <c:crossAx val="1750760719"/>
@@ -4569,7 +4620,7 @@
                   <a:cs typeface="+mn-cs"/>
                 </a:defRPr>
               </a:pPr>
-              <a:endParaRPr lang="en-US"/>
+              <a:endParaRPr lang="de-DE"/>
             </a:p>
           </c:txPr>
         </c:title>
@@ -4601,7 +4652,7 @@
                 <a:cs typeface="+mn-cs"/>
               </a:defRPr>
             </a:pPr>
-            <a:endParaRPr lang="en-US"/>
+            <a:endParaRPr lang="de-DE"/>
           </a:p>
         </c:txPr>
         <c:crossAx val="266669471"/>
@@ -4643,7 +4694,7 @@
               <a:cs typeface="+mn-cs"/>
             </a:defRPr>
           </a:pPr>
-          <a:endParaRPr lang="en-US"/>
+          <a:endParaRPr lang="de-DE"/>
         </a:p>
       </c:txPr>
     </c:legend>
@@ -4665,7 +4716,651 @@
       <a:pPr>
         <a:defRPr sz="1600"/>
       </a:pPr>
-      <a:endParaRPr lang="en-US"/>
+      <a:endParaRPr lang="de-DE"/>
+    </a:p>
+  </c:txPr>
+  <c:externalData r:id="rId3">
+    <c:autoUpdate val="0"/>
+  </c:externalData>
+</c:chartSpace>
+</file>
+
+<file path=ppt/charts/chart4.xml><?xml version="1.0" encoding="utf-8"?>
+<c:chartSpace xmlns:c="http://schemas.openxmlformats.org/drawingml/2006/chart" xmlns:a="http://schemas.openxmlformats.org/drawingml/2006/main" xmlns:r="http://schemas.openxmlformats.org/officeDocument/2006/relationships" xmlns:c16r2="http://schemas.microsoft.com/office/drawing/2015/06/chart">
+  <c:date1904 val="0"/>
+  <c:lang val="de-DE"/>
+  <c:roundedCorners val="0"/>
+  <mc:AlternateContent xmlns:mc="http://schemas.openxmlformats.org/markup-compatibility/2006">
+    <mc:Choice xmlns:c14="http://schemas.microsoft.com/office/drawing/2007/8/2/chart" Requires="c14">
+      <c14:style val="102"/>
+    </mc:Choice>
+    <mc:Fallback>
+      <c:style val="2"/>
+    </mc:Fallback>
+  </mc:AlternateContent>
+  <c:chart>
+    <c:title>
+      <c:tx>
+        <c:rich>
+          <a:bodyPr rot="0" spcFirstLastPara="1" vertOverflow="ellipsis" vert="horz" wrap="square" anchor="ctr" anchorCtr="1"/>
+          <a:lstStyle/>
+          <a:p>
+            <a:pPr>
+              <a:defRPr lang="en-US" sz="1920" b="0" i="0" u="none" strike="noStrike" kern="1200" spc="0" baseline="0">
+                <a:solidFill>
+                  <a:schemeClr val="tx1"/>
+                </a:solidFill>
+                <a:latin typeface="+mn-lt"/>
+                <a:ea typeface="+mn-ea"/>
+                <a:cs typeface="+mn-cs"/>
+              </a:defRPr>
+            </a:pPr>
+            <a:r>
+              <a:rPr lang="de-DE" b="1" dirty="0"/>
+              <a:t>Pfadlänge</a:t>
+            </a:r>
+          </a:p>
+          <a:p>
+            <a:pPr>
+              <a:defRPr/>
+            </a:pPr>
+            <a:r>
+              <a:rPr lang="de-DE" dirty="0"/>
+              <a:t>(15 Wiederholungen)</a:t>
+            </a:r>
+          </a:p>
+        </c:rich>
+      </c:tx>
+      <c:overlay val="0"/>
+      <c:spPr>
+        <a:noFill/>
+        <a:ln>
+          <a:noFill/>
+        </a:ln>
+        <a:effectLst/>
+      </c:spPr>
+      <c:txPr>
+        <a:bodyPr rot="0" spcFirstLastPara="1" vertOverflow="ellipsis" vert="horz" wrap="square" anchor="ctr" anchorCtr="1"/>
+        <a:lstStyle/>
+        <a:p>
+          <a:pPr>
+            <a:defRPr lang="en-US" sz="1920" b="0" i="0" u="none" strike="noStrike" kern="1200" spc="0" baseline="0">
+              <a:solidFill>
+                <a:schemeClr val="tx1"/>
+              </a:solidFill>
+              <a:latin typeface="+mn-lt"/>
+              <a:ea typeface="+mn-ea"/>
+              <a:cs typeface="+mn-cs"/>
+            </a:defRPr>
+          </a:pPr>
+          <a:endParaRPr lang="de-DE"/>
+        </a:p>
+      </c:txPr>
+    </c:title>
+    <c:autoTitleDeleted val="0"/>
+    <c:plotArea>
+      <c:layout/>
+      <c:barChart>
+        <c:barDir val="col"/>
+        <c:grouping val="clustered"/>
+        <c:varyColors val="0"/>
+        <c:ser>
+          <c:idx val="0"/>
+          <c:order val="0"/>
+          <c:tx>
+            <c:strRef>
+              <c:f>'[Auswertung_Daten_Roundtrip.xlsx]Auswertung Pfadlänge'!$B$1</c:f>
+              <c:strCache>
+                <c:ptCount val="1"/>
+                <c:pt idx="0">
+                  <c:v>Basic PRM</c:v>
+                </c:pt>
+              </c:strCache>
+            </c:strRef>
+          </c:tx>
+          <c:spPr>
+            <a:solidFill>
+              <a:schemeClr val="accent1"/>
+            </a:solidFill>
+            <a:ln>
+              <a:noFill/>
+            </a:ln>
+            <a:effectLst/>
+          </c:spPr>
+          <c:invertIfNegative val="0"/>
+          <c:cat>
+            <c:strRef>
+              <c:f>'[Auswertung_Daten_Roundtrip.xlsx]Auswertung Pfadlänge'!$A$2:$A$7</c:f>
+              <c:strCache>
+                <c:ptCount val="6"/>
+                <c:pt idx="0">
+                  <c:v>Trap</c:v>
+                </c:pt>
+                <c:pt idx="1">
+                  <c:v>Bottleneck</c:v>
+                </c:pt>
+                <c:pt idx="2">
+                  <c:v>Fat bottleneck</c:v>
+                </c:pt>
+                <c:pt idx="3">
+                  <c:v>B_rush</c:v>
+                </c:pt>
+                <c:pt idx="4">
+                  <c:v>Circle of Death</c:v>
+                </c:pt>
+                <c:pt idx="5">
+                  <c:v>Durchschnitt</c:v>
+                </c:pt>
+              </c:strCache>
+            </c:strRef>
+          </c:cat>
+          <c:val>
+            <c:numRef>
+              <c:f>'[Auswertung_Daten_Roundtrip.xlsx]Auswertung Pfadlänge'!$B$2:$B$7</c:f>
+              <c:numCache>
+                <c:formatCode>General</c:formatCode>
+                <c:ptCount val="6"/>
+                <c:pt idx="0">
+                  <c:v>51.615384615384613</c:v>
+                </c:pt>
+                <c:pt idx="1">
+                  <c:v>50.625</c:v>
+                </c:pt>
+                <c:pt idx="2">
+                  <c:v>42.75</c:v>
+                </c:pt>
+                <c:pt idx="3">
+                  <c:v>60.5</c:v>
+                </c:pt>
+                <c:pt idx="4">
+                  <c:v>38.666666666666664</c:v>
+                </c:pt>
+                <c:pt idx="5">
+                  <c:v>51.305555555555557</c:v>
+                </c:pt>
+              </c:numCache>
+            </c:numRef>
+          </c:val>
+          <c:extLst>
+            <c:ext xmlns:c16="http://schemas.microsoft.com/office/drawing/2014/chart" uri="{C3380CC4-5D6E-409C-BE32-E72D297353CC}">
+              <c16:uniqueId val="{00000000-A775-47D5-B506-F0114DCD8990}"/>
+            </c:ext>
+          </c:extLst>
+        </c:ser>
+        <c:ser>
+          <c:idx val="1"/>
+          <c:order val="1"/>
+          <c:tx>
+            <c:strRef>
+              <c:f>'[Auswertung_Daten_Roundtrip.xlsx]Auswertung Pfadlänge'!$C$1</c:f>
+              <c:strCache>
+                <c:ptCount val="1"/>
+                <c:pt idx="0">
+                  <c:v>Visibility PRM</c:v>
+                </c:pt>
+              </c:strCache>
+            </c:strRef>
+          </c:tx>
+          <c:spPr>
+            <a:solidFill>
+              <a:schemeClr val="accent2"/>
+            </a:solidFill>
+            <a:ln>
+              <a:noFill/>
+            </a:ln>
+            <a:effectLst/>
+          </c:spPr>
+          <c:invertIfNegative val="0"/>
+          <c:cat>
+            <c:strRef>
+              <c:f>'[Auswertung_Daten_Roundtrip.xlsx]Auswertung Pfadlänge'!$A$2:$A$7</c:f>
+              <c:strCache>
+                <c:ptCount val="6"/>
+                <c:pt idx="0">
+                  <c:v>Trap</c:v>
+                </c:pt>
+                <c:pt idx="1">
+                  <c:v>Bottleneck</c:v>
+                </c:pt>
+                <c:pt idx="2">
+                  <c:v>Fat bottleneck</c:v>
+                </c:pt>
+                <c:pt idx="3">
+                  <c:v>B_rush</c:v>
+                </c:pt>
+                <c:pt idx="4">
+                  <c:v>Circle of Death</c:v>
+                </c:pt>
+                <c:pt idx="5">
+                  <c:v>Durchschnitt</c:v>
+                </c:pt>
+              </c:strCache>
+            </c:strRef>
+          </c:cat>
+          <c:val>
+            <c:numRef>
+              <c:f>'[Auswertung_Daten_Roundtrip.xlsx]Auswertung Pfadlänge'!$C$2:$C$7</c:f>
+              <c:numCache>
+                <c:formatCode>General</c:formatCode>
+                <c:ptCount val="6"/>
+                <c:pt idx="0">
+                  <c:v>7.615384615384615</c:v>
+                </c:pt>
+                <c:pt idx="1">
+                  <c:v>8.1538461538461533</c:v>
+                </c:pt>
+                <c:pt idx="2">
+                  <c:v>9.0769230769230766</c:v>
+                </c:pt>
+                <c:pt idx="3">
+                  <c:v>14.461538461538462</c:v>
+                </c:pt>
+                <c:pt idx="4">
+                  <c:v>15.076923076923077</c:v>
+                </c:pt>
+                <c:pt idx="5">
+                  <c:v>10.876923076923077</c:v>
+                </c:pt>
+              </c:numCache>
+            </c:numRef>
+          </c:val>
+          <c:extLst>
+            <c:ext xmlns:c16="http://schemas.microsoft.com/office/drawing/2014/chart" uri="{C3380CC4-5D6E-409C-BE32-E72D297353CC}">
+              <c16:uniqueId val="{00000001-A775-47D5-B506-F0114DCD8990}"/>
+            </c:ext>
+          </c:extLst>
+        </c:ser>
+        <c:ser>
+          <c:idx val="2"/>
+          <c:order val="2"/>
+          <c:tx>
+            <c:strRef>
+              <c:f>'[Auswertung_Daten_Roundtrip.xlsx]Auswertung Pfadlänge'!$D$1</c:f>
+              <c:strCache>
+                <c:ptCount val="1"/>
+                <c:pt idx="0">
+                  <c:v>Optimized Visibility PRM</c:v>
+                </c:pt>
+              </c:strCache>
+            </c:strRef>
+          </c:tx>
+          <c:spPr>
+            <a:solidFill>
+              <a:schemeClr val="accent3"/>
+            </a:solidFill>
+            <a:ln>
+              <a:noFill/>
+            </a:ln>
+            <a:effectLst/>
+          </c:spPr>
+          <c:invertIfNegative val="0"/>
+          <c:cat>
+            <c:strRef>
+              <c:f>'[Auswertung_Daten_Roundtrip.xlsx]Auswertung Pfadlänge'!$A$2:$A$7</c:f>
+              <c:strCache>
+                <c:ptCount val="6"/>
+                <c:pt idx="0">
+                  <c:v>Trap</c:v>
+                </c:pt>
+                <c:pt idx="1">
+                  <c:v>Bottleneck</c:v>
+                </c:pt>
+                <c:pt idx="2">
+                  <c:v>Fat bottleneck</c:v>
+                </c:pt>
+                <c:pt idx="3">
+                  <c:v>B_rush</c:v>
+                </c:pt>
+                <c:pt idx="4">
+                  <c:v>Circle of Death</c:v>
+                </c:pt>
+                <c:pt idx="5">
+                  <c:v>Durchschnitt</c:v>
+                </c:pt>
+              </c:strCache>
+            </c:strRef>
+          </c:cat>
+          <c:val>
+            <c:numRef>
+              <c:f>'[Auswertung_Daten_Roundtrip.xlsx]Auswertung Pfadlänge'!$D$2:$D$7</c:f>
+              <c:numCache>
+                <c:formatCode>General</c:formatCode>
+                <c:ptCount val="6"/>
+                <c:pt idx="0">
+                  <c:v>7.9230769230769234</c:v>
+                </c:pt>
+                <c:pt idx="1">
+                  <c:v>8.0769230769230766</c:v>
+                </c:pt>
+                <c:pt idx="2">
+                  <c:v>9.0769230769230766</c:v>
+                </c:pt>
+                <c:pt idx="3">
+                  <c:v>16.23076923076923</c:v>
+                </c:pt>
+                <c:pt idx="4">
+                  <c:v>15.307692307692308</c:v>
+                </c:pt>
+                <c:pt idx="5">
+                  <c:v>11.323076923076924</c:v>
+                </c:pt>
+              </c:numCache>
+            </c:numRef>
+          </c:val>
+          <c:extLst>
+            <c:ext xmlns:c16="http://schemas.microsoft.com/office/drawing/2014/chart" uri="{C3380CC4-5D6E-409C-BE32-E72D297353CC}">
+              <c16:uniqueId val="{00000002-A775-47D5-B506-F0114DCD8990}"/>
+            </c:ext>
+          </c:extLst>
+        </c:ser>
+        <c:ser>
+          <c:idx val="3"/>
+          <c:order val="3"/>
+          <c:tx>
+            <c:strRef>
+              <c:f>'[Auswertung_Daten_Roundtrip.xlsx]Auswertung Pfadlänge'!$E$1</c:f>
+              <c:strCache>
+                <c:ptCount val="1"/>
+                <c:pt idx="0">
+                  <c:v>Lazy PRM</c:v>
+                </c:pt>
+              </c:strCache>
+            </c:strRef>
+          </c:tx>
+          <c:spPr>
+            <a:solidFill>
+              <a:schemeClr val="accent4"/>
+            </a:solidFill>
+            <a:ln>
+              <a:noFill/>
+            </a:ln>
+            <a:effectLst/>
+          </c:spPr>
+          <c:invertIfNegative val="0"/>
+          <c:cat>
+            <c:strRef>
+              <c:f>'[Auswertung_Daten_Roundtrip.xlsx]Auswertung Pfadlänge'!$A$2:$A$7</c:f>
+              <c:strCache>
+                <c:ptCount val="6"/>
+                <c:pt idx="0">
+                  <c:v>Trap</c:v>
+                </c:pt>
+                <c:pt idx="1">
+                  <c:v>Bottleneck</c:v>
+                </c:pt>
+                <c:pt idx="2">
+                  <c:v>Fat bottleneck</c:v>
+                </c:pt>
+                <c:pt idx="3">
+                  <c:v>B_rush</c:v>
+                </c:pt>
+                <c:pt idx="4">
+                  <c:v>Circle of Death</c:v>
+                </c:pt>
+                <c:pt idx="5">
+                  <c:v>Durchschnitt</c:v>
+                </c:pt>
+              </c:strCache>
+            </c:strRef>
+          </c:cat>
+          <c:val>
+            <c:numRef>
+              <c:f>'[Auswertung_Daten_Roundtrip.xlsx]Auswertung Pfadlänge'!$E$2:$E$7</c:f>
+              <c:numCache>
+                <c:formatCode>General</c:formatCode>
+                <c:ptCount val="6"/>
+                <c:pt idx="0">
+                  <c:v>13.461538461538462</c:v>
+                </c:pt>
+                <c:pt idx="1">
+                  <c:v>16.23076923076923</c:v>
+                </c:pt>
+                <c:pt idx="2">
+                  <c:v>15.2</c:v>
+                </c:pt>
+                <c:pt idx="3">
+                  <c:v>21.1</c:v>
+                </c:pt>
+                <c:pt idx="4">
+                  <c:v>19.333333333333332</c:v>
+                </c:pt>
+                <c:pt idx="5">
+                  <c:v>16.613636363636363</c:v>
+                </c:pt>
+              </c:numCache>
+            </c:numRef>
+          </c:val>
+          <c:extLst>
+            <c:ext xmlns:c16="http://schemas.microsoft.com/office/drawing/2014/chart" uri="{C3380CC4-5D6E-409C-BE32-E72D297353CC}">
+              <c16:uniqueId val="{00000003-A775-47D5-B506-F0114DCD8990}"/>
+            </c:ext>
+          </c:extLst>
+        </c:ser>
+        <c:dLbls>
+          <c:showLegendKey val="0"/>
+          <c:showVal val="0"/>
+          <c:showCatName val="0"/>
+          <c:showSerName val="0"/>
+          <c:showPercent val="0"/>
+          <c:showBubbleSize val="0"/>
+        </c:dLbls>
+        <c:gapWidth val="219"/>
+        <c:overlap val="-27"/>
+        <c:axId val="84321487"/>
+        <c:axId val="2122195103"/>
+      </c:barChart>
+      <c:catAx>
+        <c:axId val="84321487"/>
+        <c:scaling>
+          <c:orientation val="minMax"/>
+        </c:scaling>
+        <c:delete val="0"/>
+        <c:axPos val="b"/>
+        <c:numFmt formatCode="General" sourceLinked="1"/>
+        <c:majorTickMark val="none"/>
+        <c:minorTickMark val="none"/>
+        <c:tickLblPos val="nextTo"/>
+        <c:spPr>
+          <a:noFill/>
+          <a:ln w="9525" cap="flat" cmpd="sng" algn="ctr">
+            <a:solidFill>
+              <a:schemeClr val="tx1">
+                <a:lumMod val="15000"/>
+                <a:lumOff val="85000"/>
+              </a:schemeClr>
+            </a:solidFill>
+            <a:round/>
+          </a:ln>
+          <a:effectLst/>
+        </c:spPr>
+        <c:txPr>
+          <a:bodyPr rot="-60000000" spcFirstLastPara="1" vertOverflow="ellipsis" vert="horz" wrap="square" anchor="ctr" anchorCtr="1"/>
+          <a:lstStyle/>
+          <a:p>
+            <a:pPr>
+              <a:defRPr lang="en-US" sz="1600" b="0" i="0" u="none" strike="noStrike" kern="1200" baseline="0">
+                <a:solidFill>
+                  <a:schemeClr val="tx1"/>
+                </a:solidFill>
+                <a:latin typeface="+mn-lt"/>
+                <a:ea typeface="+mn-ea"/>
+                <a:cs typeface="+mn-cs"/>
+              </a:defRPr>
+            </a:pPr>
+            <a:endParaRPr lang="de-DE"/>
+          </a:p>
+        </c:txPr>
+        <c:crossAx val="2122195103"/>
+        <c:crosses val="autoZero"/>
+        <c:auto val="1"/>
+        <c:lblAlgn val="ctr"/>
+        <c:lblOffset val="100"/>
+        <c:noMultiLvlLbl val="0"/>
+      </c:catAx>
+      <c:valAx>
+        <c:axId val="2122195103"/>
+        <c:scaling>
+          <c:orientation val="minMax"/>
+        </c:scaling>
+        <c:delete val="0"/>
+        <c:axPos val="l"/>
+        <c:majorGridlines>
+          <c:spPr>
+            <a:ln w="9525" cap="flat" cmpd="sng" algn="ctr">
+              <a:solidFill>
+                <a:schemeClr val="tx1">
+                  <a:lumMod val="15000"/>
+                  <a:lumOff val="85000"/>
+                </a:schemeClr>
+              </a:solidFill>
+              <a:round/>
+            </a:ln>
+            <a:effectLst/>
+          </c:spPr>
+        </c:majorGridlines>
+        <c:title>
+          <c:tx>
+            <c:rich>
+              <a:bodyPr rot="-5400000" spcFirstLastPara="1" vertOverflow="ellipsis" vert="horz" wrap="square" anchor="ctr" anchorCtr="1"/>
+              <a:lstStyle/>
+              <a:p>
+                <a:pPr>
+                  <a:defRPr lang="en-US" sz="1600" b="0" i="0" u="none" strike="noStrike" kern="1200" baseline="0">
+                    <a:solidFill>
+                      <a:schemeClr val="tx1"/>
+                    </a:solidFill>
+                    <a:latin typeface="+mn-lt"/>
+                    <a:ea typeface="+mn-ea"/>
+                    <a:cs typeface="+mn-cs"/>
+                  </a:defRPr>
+                </a:pPr>
+                <a:r>
+                  <a:rPr lang="de-DE"/>
+                  <a:t>Pfadlänge [Schritte]</a:t>
+                </a:r>
+              </a:p>
+            </c:rich>
+          </c:tx>
+          <c:overlay val="0"/>
+          <c:spPr>
+            <a:noFill/>
+            <a:ln>
+              <a:noFill/>
+            </a:ln>
+            <a:effectLst/>
+          </c:spPr>
+          <c:txPr>
+            <a:bodyPr rot="-5400000" spcFirstLastPara="1" vertOverflow="ellipsis" vert="horz" wrap="square" anchor="ctr" anchorCtr="1"/>
+            <a:lstStyle/>
+            <a:p>
+              <a:pPr>
+                <a:defRPr lang="en-US" sz="1600" b="0" i="0" u="none" strike="noStrike" kern="1200" baseline="0">
+                  <a:solidFill>
+                    <a:schemeClr val="tx1"/>
+                  </a:solidFill>
+                  <a:latin typeface="+mn-lt"/>
+                  <a:ea typeface="+mn-ea"/>
+                  <a:cs typeface="+mn-cs"/>
+                </a:defRPr>
+              </a:pPr>
+              <a:endParaRPr lang="de-DE"/>
+            </a:p>
+          </c:txPr>
+        </c:title>
+        <c:numFmt formatCode="General" sourceLinked="1"/>
+        <c:majorTickMark val="none"/>
+        <c:minorTickMark val="none"/>
+        <c:tickLblPos val="nextTo"/>
+        <c:spPr>
+          <a:noFill/>
+          <a:ln>
+            <a:noFill/>
+          </a:ln>
+          <a:effectLst/>
+        </c:spPr>
+        <c:txPr>
+          <a:bodyPr rot="-60000000" spcFirstLastPara="1" vertOverflow="ellipsis" vert="horz" wrap="square" anchor="ctr" anchorCtr="1"/>
+          <a:lstStyle/>
+          <a:p>
+            <a:pPr>
+              <a:defRPr lang="en-US" sz="1600" b="0" i="0" u="none" strike="noStrike" kern="1200" baseline="0">
+                <a:solidFill>
+                  <a:schemeClr val="tx1"/>
+                </a:solidFill>
+                <a:latin typeface="+mn-lt"/>
+                <a:ea typeface="+mn-ea"/>
+                <a:cs typeface="+mn-cs"/>
+              </a:defRPr>
+            </a:pPr>
+            <a:endParaRPr lang="de-DE"/>
+          </a:p>
+        </c:txPr>
+        <c:crossAx val="84321487"/>
+        <c:crosses val="autoZero"/>
+        <c:crossBetween val="between"/>
+      </c:valAx>
+      <c:spPr>
+        <a:noFill/>
+        <a:ln>
+          <a:noFill/>
+        </a:ln>
+        <a:effectLst/>
+      </c:spPr>
+    </c:plotArea>
+    <c:legend>
+      <c:legendPos val="b"/>
+      <c:overlay val="0"/>
+      <c:spPr>
+        <a:noFill/>
+        <a:ln>
+          <a:noFill/>
+        </a:ln>
+        <a:effectLst/>
+      </c:spPr>
+      <c:txPr>
+        <a:bodyPr rot="0" spcFirstLastPara="1" vertOverflow="ellipsis" vert="horz" wrap="square" anchor="ctr" anchorCtr="1"/>
+        <a:lstStyle/>
+        <a:p>
+          <a:pPr>
+            <a:defRPr lang="en-US" sz="1600" b="0" i="0" u="none" strike="noStrike" kern="1200" baseline="0">
+              <a:solidFill>
+                <a:schemeClr val="tx1"/>
+              </a:solidFill>
+              <a:latin typeface="+mn-lt"/>
+              <a:ea typeface="+mn-ea"/>
+              <a:cs typeface="+mn-cs"/>
+            </a:defRPr>
+          </a:pPr>
+          <a:endParaRPr lang="de-DE"/>
+        </a:p>
+      </c:txPr>
+    </c:legend>
+    <c:plotVisOnly val="1"/>
+    <c:dispBlanksAs val="gap"/>
+    <c:showDLblsOverMax val="0"/>
+  </c:chart>
+  <c:spPr>
+    <a:noFill/>
+    <a:ln>
+      <a:noFill/>
+    </a:ln>
+    <a:effectLst/>
+  </c:spPr>
+  <c:txPr>
+    <a:bodyPr/>
+    <a:lstStyle/>
+    <a:p>
+      <a:pPr>
+        <a:defRPr lang="en-US" sz="1600" b="0" i="0" u="none" strike="noStrike" kern="1200" baseline="0">
+          <a:solidFill>
+            <a:schemeClr val="tx1"/>
+          </a:solidFill>
+          <a:latin typeface="+mn-lt"/>
+          <a:ea typeface="+mn-ea"/>
+          <a:cs typeface="+mn-cs"/>
+        </a:defRPr>
+      </a:pPr>
+      <a:endParaRPr lang="de-DE"/>
     </a:p>
   </c:txPr>
   <c:externalData r:id="rId3">
@@ -4755,6 +5450,46 @@
 </file>
 
 <file path=ppt/charts/colors3.xml><?xml version="1.0" encoding="utf-8"?>
+<cs:colorStyle xmlns:cs="http://schemas.microsoft.com/office/drawing/2012/chartStyle" xmlns:a="http://schemas.openxmlformats.org/drawingml/2006/main" meth="cycle" id="10">
+  <a:schemeClr val="accent1"/>
+  <a:schemeClr val="accent2"/>
+  <a:schemeClr val="accent3"/>
+  <a:schemeClr val="accent4"/>
+  <a:schemeClr val="accent5"/>
+  <a:schemeClr val="accent6"/>
+  <cs:variation/>
+  <cs:variation>
+    <a:lumMod val="60000"/>
+  </cs:variation>
+  <cs:variation>
+    <a:lumMod val="80000"/>
+    <a:lumOff val="20000"/>
+  </cs:variation>
+  <cs:variation>
+    <a:lumMod val="80000"/>
+  </cs:variation>
+  <cs:variation>
+    <a:lumMod val="60000"/>
+    <a:lumOff val="40000"/>
+  </cs:variation>
+  <cs:variation>
+    <a:lumMod val="50000"/>
+  </cs:variation>
+  <cs:variation>
+    <a:lumMod val="70000"/>
+    <a:lumOff val="30000"/>
+  </cs:variation>
+  <cs:variation>
+    <a:lumMod val="70000"/>
+  </cs:variation>
+  <cs:variation>
+    <a:lumMod val="50000"/>
+    <a:lumOff val="50000"/>
+  </cs:variation>
+</cs:colorStyle>
+</file>
+
+<file path=ppt/charts/colors4.xml><?xml version="1.0" encoding="utf-8"?>
 <cs:colorStyle xmlns:cs="http://schemas.microsoft.com/office/drawing/2012/chartStyle" xmlns:a="http://schemas.openxmlformats.org/drawingml/2006/main" meth="cycle" id="10">
   <a:schemeClr val="accent1"/>
   <a:schemeClr val="accent2"/>
@@ -6303,6 +7038,509 @@
 </cs:chartStyle>
 </file>
 
+<file path=ppt/charts/style4.xml><?xml version="1.0" encoding="utf-8"?>
+<cs:chartStyle xmlns:cs="http://schemas.microsoft.com/office/drawing/2012/chartStyle" xmlns:a="http://schemas.openxmlformats.org/drawingml/2006/main" id="201">
+  <cs:axisTitle>
+    <cs:lnRef idx="0"/>
+    <cs:fillRef idx="0"/>
+    <cs:effectRef idx="0"/>
+    <cs:fontRef idx="minor">
+      <a:schemeClr val="tx1">
+        <a:lumMod val="65000"/>
+        <a:lumOff val="35000"/>
+      </a:schemeClr>
+    </cs:fontRef>
+    <cs:defRPr sz="1000" kern="1200"/>
+  </cs:axisTitle>
+  <cs:categoryAxis>
+    <cs:lnRef idx="0"/>
+    <cs:fillRef idx="0"/>
+    <cs:effectRef idx="0"/>
+    <cs:fontRef idx="minor">
+      <a:schemeClr val="tx1">
+        <a:lumMod val="65000"/>
+        <a:lumOff val="35000"/>
+      </a:schemeClr>
+    </cs:fontRef>
+    <cs:spPr>
+      <a:ln w="9525" cap="flat" cmpd="sng" algn="ctr">
+        <a:solidFill>
+          <a:schemeClr val="tx1">
+            <a:lumMod val="15000"/>
+            <a:lumOff val="85000"/>
+          </a:schemeClr>
+        </a:solidFill>
+        <a:round/>
+      </a:ln>
+    </cs:spPr>
+    <cs:defRPr sz="900" kern="1200"/>
+  </cs:categoryAxis>
+  <cs:chartArea mods="allowNoFillOverride allowNoLineOverride">
+    <cs:lnRef idx="0"/>
+    <cs:fillRef idx="0"/>
+    <cs:effectRef idx="0"/>
+    <cs:fontRef idx="minor">
+      <a:schemeClr val="tx1"/>
+    </cs:fontRef>
+    <cs:spPr>
+      <a:solidFill>
+        <a:schemeClr val="bg1"/>
+      </a:solidFill>
+      <a:ln w="9525" cap="flat" cmpd="sng" algn="ctr">
+        <a:solidFill>
+          <a:schemeClr val="tx1">
+            <a:lumMod val="15000"/>
+            <a:lumOff val="85000"/>
+          </a:schemeClr>
+        </a:solidFill>
+        <a:round/>
+      </a:ln>
+    </cs:spPr>
+    <cs:defRPr sz="1000" kern="1200"/>
+  </cs:chartArea>
+  <cs:dataLabel>
+    <cs:lnRef idx="0"/>
+    <cs:fillRef idx="0"/>
+    <cs:effectRef idx="0"/>
+    <cs:fontRef idx="minor">
+      <a:schemeClr val="tx1">
+        <a:lumMod val="75000"/>
+        <a:lumOff val="25000"/>
+      </a:schemeClr>
+    </cs:fontRef>
+    <cs:defRPr sz="900" kern="1200"/>
+  </cs:dataLabel>
+  <cs:dataLabelCallout>
+    <cs:lnRef idx="0"/>
+    <cs:fillRef idx="0"/>
+    <cs:effectRef idx="0"/>
+    <cs:fontRef idx="minor">
+      <a:schemeClr val="dk1">
+        <a:lumMod val="65000"/>
+        <a:lumOff val="35000"/>
+      </a:schemeClr>
+    </cs:fontRef>
+    <cs:spPr>
+      <a:solidFill>
+        <a:schemeClr val="lt1"/>
+      </a:solidFill>
+      <a:ln>
+        <a:solidFill>
+          <a:schemeClr val="dk1">
+            <a:lumMod val="25000"/>
+            <a:lumOff val="75000"/>
+          </a:schemeClr>
+        </a:solidFill>
+      </a:ln>
+    </cs:spPr>
+    <cs:defRPr sz="900" kern="1200"/>
+    <cs:bodyPr rot="0" spcFirstLastPara="1" vertOverflow="clip" horzOverflow="clip" vert="horz" wrap="square" lIns="36576" tIns="18288" rIns="36576" bIns="18288" anchor="ctr" anchorCtr="1">
+      <a:spAutoFit/>
+    </cs:bodyPr>
+  </cs:dataLabelCallout>
+  <cs:dataPoint>
+    <cs:lnRef idx="0"/>
+    <cs:fillRef idx="1">
+      <cs:styleClr val="auto"/>
+    </cs:fillRef>
+    <cs:effectRef idx="0"/>
+    <cs:fontRef idx="minor">
+      <a:schemeClr val="tx1"/>
+    </cs:fontRef>
+  </cs:dataPoint>
+  <cs:dataPoint3D>
+    <cs:lnRef idx="0"/>
+    <cs:fillRef idx="1">
+      <cs:styleClr val="auto"/>
+    </cs:fillRef>
+    <cs:effectRef idx="0"/>
+    <cs:fontRef idx="minor">
+      <a:schemeClr val="tx1"/>
+    </cs:fontRef>
+  </cs:dataPoint3D>
+  <cs:dataPointLine>
+    <cs:lnRef idx="0">
+      <cs:styleClr val="auto"/>
+    </cs:lnRef>
+    <cs:fillRef idx="1"/>
+    <cs:effectRef idx="0"/>
+    <cs:fontRef idx="minor">
+      <a:schemeClr val="tx1"/>
+    </cs:fontRef>
+    <cs:spPr>
+      <a:ln w="28575" cap="rnd">
+        <a:solidFill>
+          <a:schemeClr val="phClr"/>
+        </a:solidFill>
+        <a:round/>
+      </a:ln>
+    </cs:spPr>
+  </cs:dataPointLine>
+  <cs:dataPointMarker>
+    <cs:lnRef idx="0">
+      <cs:styleClr val="auto"/>
+    </cs:lnRef>
+    <cs:fillRef idx="1">
+      <cs:styleClr val="auto"/>
+    </cs:fillRef>
+    <cs:effectRef idx="0"/>
+    <cs:fontRef idx="minor">
+      <a:schemeClr val="tx1"/>
+    </cs:fontRef>
+    <cs:spPr>
+      <a:ln w="9525">
+        <a:solidFill>
+          <a:schemeClr val="phClr"/>
+        </a:solidFill>
+      </a:ln>
+    </cs:spPr>
+  </cs:dataPointMarker>
+  <cs:dataPointMarkerLayout symbol="circle" size="5"/>
+  <cs:dataPointWireframe>
+    <cs:lnRef idx="0">
+      <cs:styleClr val="auto"/>
+    </cs:lnRef>
+    <cs:fillRef idx="1"/>
+    <cs:effectRef idx="0"/>
+    <cs:fontRef idx="minor">
+      <a:schemeClr val="tx1"/>
+    </cs:fontRef>
+    <cs:spPr>
+      <a:ln w="9525" cap="rnd">
+        <a:solidFill>
+          <a:schemeClr val="phClr"/>
+        </a:solidFill>
+        <a:round/>
+      </a:ln>
+    </cs:spPr>
+  </cs:dataPointWireframe>
+  <cs:dataTable>
+    <cs:lnRef idx="0"/>
+    <cs:fillRef idx="0"/>
+    <cs:effectRef idx="0"/>
+    <cs:fontRef idx="minor">
+      <a:schemeClr val="tx1">
+        <a:lumMod val="65000"/>
+        <a:lumOff val="35000"/>
+      </a:schemeClr>
+    </cs:fontRef>
+    <cs:spPr>
+      <a:noFill/>
+      <a:ln w="9525" cap="flat" cmpd="sng" algn="ctr">
+        <a:solidFill>
+          <a:schemeClr val="tx1">
+            <a:lumMod val="15000"/>
+            <a:lumOff val="85000"/>
+          </a:schemeClr>
+        </a:solidFill>
+        <a:round/>
+      </a:ln>
+    </cs:spPr>
+    <cs:defRPr sz="900" kern="1200"/>
+  </cs:dataTable>
+  <cs:downBar>
+    <cs:lnRef idx="0"/>
+    <cs:fillRef idx="0"/>
+    <cs:effectRef idx="0"/>
+    <cs:fontRef idx="minor">
+      <a:schemeClr val="dk1"/>
+    </cs:fontRef>
+    <cs:spPr>
+      <a:solidFill>
+        <a:schemeClr val="dk1">
+          <a:lumMod val="65000"/>
+          <a:lumOff val="35000"/>
+        </a:schemeClr>
+      </a:solidFill>
+      <a:ln w="9525">
+        <a:solidFill>
+          <a:schemeClr val="tx1">
+            <a:lumMod val="65000"/>
+            <a:lumOff val="35000"/>
+          </a:schemeClr>
+        </a:solidFill>
+      </a:ln>
+    </cs:spPr>
+  </cs:downBar>
+  <cs:dropLine>
+    <cs:lnRef idx="0"/>
+    <cs:fillRef idx="0"/>
+    <cs:effectRef idx="0"/>
+    <cs:fontRef idx="minor">
+      <a:schemeClr val="tx1"/>
+    </cs:fontRef>
+    <cs:spPr>
+      <a:ln w="9525" cap="flat" cmpd="sng" algn="ctr">
+        <a:solidFill>
+          <a:schemeClr val="tx1">
+            <a:lumMod val="35000"/>
+            <a:lumOff val="65000"/>
+          </a:schemeClr>
+        </a:solidFill>
+        <a:round/>
+      </a:ln>
+    </cs:spPr>
+  </cs:dropLine>
+  <cs:errorBar>
+    <cs:lnRef idx="0"/>
+    <cs:fillRef idx="0"/>
+    <cs:effectRef idx="0"/>
+    <cs:fontRef idx="minor">
+      <a:schemeClr val="tx1"/>
+    </cs:fontRef>
+    <cs:spPr>
+      <a:ln w="9525" cap="flat" cmpd="sng" algn="ctr">
+        <a:solidFill>
+          <a:schemeClr val="tx1">
+            <a:lumMod val="65000"/>
+            <a:lumOff val="35000"/>
+          </a:schemeClr>
+        </a:solidFill>
+        <a:round/>
+      </a:ln>
+    </cs:spPr>
+  </cs:errorBar>
+  <cs:floor>
+    <cs:lnRef idx="0"/>
+    <cs:fillRef idx="0"/>
+    <cs:effectRef idx="0"/>
+    <cs:fontRef idx="minor">
+      <a:schemeClr val="tx1"/>
+    </cs:fontRef>
+    <cs:spPr>
+      <a:noFill/>
+      <a:ln>
+        <a:noFill/>
+      </a:ln>
+    </cs:spPr>
+  </cs:floor>
+  <cs:gridlineMajor>
+    <cs:lnRef idx="0"/>
+    <cs:fillRef idx="0"/>
+    <cs:effectRef idx="0"/>
+    <cs:fontRef idx="minor">
+      <a:schemeClr val="tx1"/>
+    </cs:fontRef>
+    <cs:spPr>
+      <a:ln w="9525" cap="flat" cmpd="sng" algn="ctr">
+        <a:solidFill>
+          <a:schemeClr val="tx1">
+            <a:lumMod val="15000"/>
+            <a:lumOff val="85000"/>
+          </a:schemeClr>
+        </a:solidFill>
+        <a:round/>
+      </a:ln>
+    </cs:spPr>
+  </cs:gridlineMajor>
+  <cs:gridlineMinor>
+    <cs:lnRef idx="0"/>
+    <cs:fillRef idx="0"/>
+    <cs:effectRef idx="0"/>
+    <cs:fontRef idx="minor">
+      <a:schemeClr val="tx1"/>
+    </cs:fontRef>
+    <cs:spPr>
+      <a:ln w="9525" cap="flat" cmpd="sng" algn="ctr">
+        <a:solidFill>
+          <a:schemeClr val="tx1">
+            <a:lumMod val="5000"/>
+            <a:lumOff val="95000"/>
+          </a:schemeClr>
+        </a:solidFill>
+        <a:round/>
+      </a:ln>
+    </cs:spPr>
+  </cs:gridlineMinor>
+  <cs:hiLoLine>
+    <cs:lnRef idx="0"/>
+    <cs:fillRef idx="0"/>
+    <cs:effectRef idx="0"/>
+    <cs:fontRef idx="minor">
+      <a:schemeClr val="tx1"/>
+    </cs:fontRef>
+    <cs:spPr>
+      <a:ln w="9525" cap="flat" cmpd="sng" algn="ctr">
+        <a:solidFill>
+          <a:schemeClr val="tx1">
+            <a:lumMod val="75000"/>
+            <a:lumOff val="25000"/>
+          </a:schemeClr>
+        </a:solidFill>
+        <a:round/>
+      </a:ln>
+    </cs:spPr>
+  </cs:hiLoLine>
+  <cs:leaderLine>
+    <cs:lnRef idx="0"/>
+    <cs:fillRef idx="0"/>
+    <cs:effectRef idx="0"/>
+    <cs:fontRef idx="minor">
+      <a:schemeClr val="tx1"/>
+    </cs:fontRef>
+    <cs:spPr>
+      <a:ln w="9525" cap="flat" cmpd="sng" algn="ctr">
+        <a:solidFill>
+          <a:schemeClr val="tx1">
+            <a:lumMod val="35000"/>
+            <a:lumOff val="65000"/>
+          </a:schemeClr>
+        </a:solidFill>
+        <a:round/>
+      </a:ln>
+    </cs:spPr>
+  </cs:leaderLine>
+  <cs:legend>
+    <cs:lnRef idx="0"/>
+    <cs:fillRef idx="0"/>
+    <cs:effectRef idx="0"/>
+    <cs:fontRef idx="minor">
+      <a:schemeClr val="tx1">
+        <a:lumMod val="65000"/>
+        <a:lumOff val="35000"/>
+      </a:schemeClr>
+    </cs:fontRef>
+    <cs:defRPr sz="900" kern="1200"/>
+  </cs:legend>
+  <cs:plotArea mods="allowNoFillOverride allowNoLineOverride">
+    <cs:lnRef idx="0"/>
+    <cs:fillRef idx="0"/>
+    <cs:effectRef idx="0"/>
+    <cs:fontRef idx="minor">
+      <a:schemeClr val="tx1"/>
+    </cs:fontRef>
+  </cs:plotArea>
+  <cs:plotArea3D mods="allowNoFillOverride allowNoLineOverride">
+    <cs:lnRef idx="0"/>
+    <cs:fillRef idx="0"/>
+    <cs:effectRef idx="0"/>
+    <cs:fontRef idx="minor">
+      <a:schemeClr val="tx1"/>
+    </cs:fontRef>
+  </cs:plotArea3D>
+  <cs:seriesAxis>
+    <cs:lnRef idx="0"/>
+    <cs:fillRef idx="0"/>
+    <cs:effectRef idx="0"/>
+    <cs:fontRef idx="minor">
+      <a:schemeClr val="tx1">
+        <a:lumMod val="65000"/>
+        <a:lumOff val="35000"/>
+      </a:schemeClr>
+    </cs:fontRef>
+    <cs:defRPr sz="900" kern="1200"/>
+  </cs:seriesAxis>
+  <cs:seriesLine>
+    <cs:lnRef idx="0"/>
+    <cs:fillRef idx="0"/>
+    <cs:effectRef idx="0"/>
+    <cs:fontRef idx="minor">
+      <a:schemeClr val="tx1"/>
+    </cs:fontRef>
+    <cs:spPr>
+      <a:ln w="9525" cap="flat" cmpd="sng" algn="ctr">
+        <a:solidFill>
+          <a:schemeClr val="tx1">
+            <a:lumMod val="35000"/>
+            <a:lumOff val="65000"/>
+          </a:schemeClr>
+        </a:solidFill>
+        <a:round/>
+      </a:ln>
+    </cs:spPr>
+  </cs:seriesLine>
+  <cs:title>
+    <cs:lnRef idx="0"/>
+    <cs:fillRef idx="0"/>
+    <cs:effectRef idx="0"/>
+    <cs:fontRef idx="minor">
+      <a:schemeClr val="tx1">
+        <a:lumMod val="65000"/>
+        <a:lumOff val="35000"/>
+      </a:schemeClr>
+    </cs:fontRef>
+    <cs:defRPr sz="1400" b="0" kern="1200" spc="0" baseline="0"/>
+  </cs:title>
+  <cs:trendline>
+    <cs:lnRef idx="0">
+      <cs:styleClr val="auto"/>
+    </cs:lnRef>
+    <cs:fillRef idx="0"/>
+    <cs:effectRef idx="0"/>
+    <cs:fontRef idx="minor">
+      <a:schemeClr val="tx1"/>
+    </cs:fontRef>
+    <cs:spPr>
+      <a:ln w="19050" cap="rnd">
+        <a:solidFill>
+          <a:schemeClr val="phClr"/>
+        </a:solidFill>
+        <a:prstDash val="sysDot"/>
+      </a:ln>
+    </cs:spPr>
+  </cs:trendline>
+  <cs:trendlineLabel>
+    <cs:lnRef idx="0"/>
+    <cs:fillRef idx="0"/>
+    <cs:effectRef idx="0"/>
+    <cs:fontRef idx="minor">
+      <a:schemeClr val="tx1">
+        <a:lumMod val="65000"/>
+        <a:lumOff val="35000"/>
+      </a:schemeClr>
+    </cs:fontRef>
+    <cs:defRPr sz="900" kern="1200"/>
+  </cs:trendlineLabel>
+  <cs:upBar>
+    <cs:lnRef idx="0"/>
+    <cs:fillRef idx="0"/>
+    <cs:effectRef idx="0"/>
+    <cs:fontRef idx="minor">
+      <a:schemeClr val="dk1"/>
+    </cs:fontRef>
+    <cs:spPr>
+      <a:solidFill>
+        <a:schemeClr val="lt1"/>
+      </a:solidFill>
+      <a:ln w="9525">
+        <a:solidFill>
+          <a:schemeClr val="tx1">
+            <a:lumMod val="15000"/>
+            <a:lumOff val="85000"/>
+          </a:schemeClr>
+        </a:solidFill>
+      </a:ln>
+    </cs:spPr>
+  </cs:upBar>
+  <cs:valueAxis>
+    <cs:lnRef idx="0"/>
+    <cs:fillRef idx="0"/>
+    <cs:effectRef idx="0"/>
+    <cs:fontRef idx="minor">
+      <a:schemeClr val="tx1">
+        <a:lumMod val="65000"/>
+        <a:lumOff val="35000"/>
+      </a:schemeClr>
+    </cs:fontRef>
+    <cs:defRPr sz="900" kern="1200"/>
+  </cs:valueAxis>
+  <cs:wall>
+    <cs:lnRef idx="0"/>
+    <cs:fillRef idx="0"/>
+    <cs:effectRef idx="0"/>
+    <cs:fontRef idx="minor">
+      <a:schemeClr val="tx1"/>
+    </cs:fontRef>
+    <cs:spPr>
+      <a:noFill/>
+      <a:ln>
+        <a:noFill/>
+      </a:ln>
+    </cs:spPr>
+  </cs:wall>
+</cs:chartStyle>
+</file>
+
 <file path=ppt/handoutMasters/handoutMaster1.xml><?xml version="1.0" encoding="utf-8"?>
 <p:handoutMaster xmlns:a="http://schemas.openxmlformats.org/drawingml/2006/main" xmlns:r="http://schemas.openxmlformats.org/officeDocument/2006/relationships" xmlns:p="http://schemas.openxmlformats.org/presentationml/2006/main">
   <p:cSld>
@@ -6385,7 +7623,7 @@
           <a:p>
             <a:fld id="{434BAF5B-C937-F24D-AEEE-A25B9820327F}" type="datetimeFigureOut">
               <a:rPr lang="de-DE" smtClean="0"/>
-              <a:t>16.01.2024</a:t>
+              <a:t>23.01.2024</a:t>
             </a:fld>
             <a:endParaRPr lang="de-DE"/>
           </a:p>
@@ -6451,7 +7689,7 @@
           <a:p>
             <a:fld id="{15C617D1-29C8-0E45-8484-7D1179CDBFB8}" type="slidenum">
               <a:rPr lang="de-DE" smtClean="0"/>
-              <a:t>‹#›</a:t>
+              <a:t>‹Nr.›</a:t>
             </a:fld>
             <a:endParaRPr lang="de-DE"/>
           </a:p>
@@ -6551,7 +7789,7 @@
             <a:fld id="{4D16EEFE-D067-4349-B2E2-591BB1E476CB}" type="datetimeFigureOut">
               <a:rPr lang="de-DE" smtClean="0"/>
               <a:pPr/>
-              <a:t>16.01.2024</a:t>
+              <a:t>23.01.2024</a:t>
             </a:fld>
             <a:endParaRPr lang="de-DE"/>
           </a:p>
@@ -6712,7 +7950,7 @@
             <a:fld id="{F348D173-51C1-41A8-B41F-93B487EE5C56}" type="slidenum">
               <a:rPr lang="de-DE" smtClean="0"/>
               <a:pPr/>
-              <a:t>‹#›</a:t>
+              <a:t>‹Nr.›</a:t>
             </a:fld>
             <a:endParaRPr lang="de-DE"/>
           </a:p>
@@ -6972,7 +8210,7 @@
             <a:fld id="{D49304B1-D272-430D-86A6-EEC7EE47B713}" type="slidenum">
               <a:rPr lang="de-DE" smtClean="0"/>
               <a:pPr/>
-              <a:t>‹#›</a:t>
+              <a:t>‹Nr.›</a:t>
             </a:fld>
             <a:endParaRPr lang="de-DE"/>
           </a:p>
@@ -7198,7 +8436,7 @@
             <a:fld id="{D49304B1-D272-430D-86A6-EEC7EE47B713}" type="slidenum">
               <a:rPr lang="de-DE" smtClean="0"/>
               <a:pPr/>
-              <a:t>‹#›</a:t>
+              <a:t>‹Nr.›</a:t>
             </a:fld>
             <a:endParaRPr lang="de-DE"/>
           </a:p>
@@ -7392,7 +8630,7 @@
             <a:fld id="{D49304B1-D272-430D-86A6-EEC7EE47B713}" type="slidenum">
               <a:rPr lang="de-DE" smtClean="0"/>
               <a:pPr/>
-              <a:t>‹#›</a:t>
+              <a:t>‹Nr.›</a:t>
             </a:fld>
             <a:endParaRPr lang="de-DE"/>
           </a:p>
@@ -7484,7 +8722,7 @@
             <a:fld id="{D49304B1-D272-430D-86A6-EEC7EE47B713}" type="slidenum">
               <a:rPr lang="de-DE" smtClean="0"/>
               <a:pPr/>
-              <a:t>‹#›</a:t>
+              <a:t>‹Nr.›</a:t>
             </a:fld>
             <a:endParaRPr lang="de-DE"/>
           </a:p>
@@ -7649,7 +8887,7 @@
             <a:fld id="{D49304B1-D272-430D-86A6-EEC7EE47B713}" type="slidenum">
               <a:rPr lang="de-DE" smtClean="0"/>
               <a:pPr/>
-              <a:t>‹#›</a:t>
+              <a:t>‹Nr.›</a:t>
             </a:fld>
             <a:endParaRPr lang="de-DE"/>
           </a:p>
@@ -7819,7 +9057,7 @@
             <a:fld id="{D49304B1-D272-430D-86A6-EEC7EE47B713}" type="slidenum">
               <a:rPr lang="de-DE" smtClean="0"/>
               <a:pPr/>
-              <a:t>‹#›</a:t>
+              <a:t>‹Nr.›</a:t>
             </a:fld>
             <a:endParaRPr lang="de-DE"/>
           </a:p>
@@ -8045,7 +9283,7 @@
             <a:fld id="{D49304B1-D272-430D-86A6-EEC7EE47B713}" type="slidenum">
               <a:rPr lang="de-DE" smtClean="0"/>
               <a:pPr/>
-              <a:t>‹#›</a:t>
+              <a:t>‹Nr.›</a:t>
             </a:fld>
             <a:endParaRPr lang="de-DE"/>
           </a:p>
@@ -8242,7 +9480,7 @@
             <a:fld id="{D49304B1-D272-430D-86A6-EEC7EE47B713}" type="slidenum">
               <a:rPr lang="de-DE" smtClean="0"/>
               <a:pPr/>
-              <a:t>‹#›</a:t>
+              <a:t>‹Nr.›</a:t>
             </a:fld>
             <a:endParaRPr lang="de-DE"/>
           </a:p>
@@ -8334,7 +9572,7 @@
             <a:fld id="{D49304B1-D272-430D-86A6-EEC7EE47B713}" type="slidenum">
               <a:rPr lang="de-DE" smtClean="0"/>
               <a:pPr/>
-              <a:t>‹#›</a:t>
+              <a:t>‹Nr.›</a:t>
             </a:fld>
             <a:endParaRPr lang="de-DE"/>
           </a:p>
@@ -8426,7 +9664,7 @@
             <a:fld id="{D49304B1-D272-430D-86A6-EEC7EE47B713}" type="slidenum">
               <a:rPr lang="de-DE" smtClean="0"/>
               <a:pPr/>
-              <a:t>‹#›</a:t>
+              <a:t>‹Nr.›</a:t>
             </a:fld>
             <a:endParaRPr lang="de-DE"/>
           </a:p>
@@ -8574,7 +9812,7 @@
             <a:fld id="{D49304B1-D272-430D-86A6-EEC7EE47B713}" type="slidenum">
               <a:rPr lang="de-DE" smtClean="0"/>
               <a:pPr/>
-              <a:t>‹#›</a:t>
+              <a:t>‹Nr.›</a:t>
             </a:fld>
             <a:endParaRPr lang="de-DE"/>
           </a:p>
@@ -8800,7 +10038,7 @@
             <a:fld id="{D49304B1-D272-430D-86A6-EEC7EE47B713}" type="slidenum">
               <a:rPr lang="de-DE" smtClean="0"/>
               <a:pPr/>
-              <a:t>‹#›</a:t>
+              <a:t>‹Nr.›</a:t>
             </a:fld>
             <a:endParaRPr lang="de-DE"/>
           </a:p>
@@ -9031,7 +10269,7 @@
             <a:fld id="{D49304B1-D272-430D-86A6-EEC7EE47B713}" type="slidenum">
               <a:rPr lang="de-DE" smtClean="0"/>
               <a:pPr/>
-              <a:t>‹#›</a:t>
+              <a:t>‹Nr.›</a:t>
             </a:fld>
             <a:endParaRPr lang="de-DE"/>
           </a:p>
@@ -9234,13 +10472,13 @@
   <p:clrMapOvr>
     <a:masterClrMapping/>
   </p:clrMapOvr>
-  <mc:AlternateContent xmlns:mc="http://schemas.openxmlformats.org/markup-compatibility/2006">
-    <mc:Choice xmlns:p14="http://schemas.microsoft.com/office/powerpoint/2010/main" Requires="p14">
+  <mc:AlternateContent xmlns:mc="http://schemas.openxmlformats.org/markup-compatibility/2006" xmlns:p14="http://schemas.microsoft.com/office/powerpoint/2010/main">
+    <mc:Choice Requires="p14">
       <p:transition spd="med" p14:dur="700">
         <p:fade/>
       </p:transition>
     </mc:Choice>
-    <mc:Fallback>
+    <mc:Fallback xmlns="">
       <p:transition spd="med">
         <p:fade/>
       </p:transition>
@@ -9502,7 +10740,7 @@
             <a:fld id="{D49304B1-D272-430D-86A6-EEC7EE47B713}" type="slidenum">
               <a:rPr lang="de-DE" smtClean="0"/>
               <a:pPr/>
-              <a:t>‹#›</a:t>
+              <a:t>‹Nr.›</a:t>
             </a:fld>
             <a:endParaRPr lang="de-DE"/>
           </a:p>
@@ -9728,7 +10966,7 @@
             <a:fld id="{D49304B1-D272-430D-86A6-EEC7EE47B713}" type="slidenum">
               <a:rPr lang="de-DE" smtClean="0"/>
               <a:pPr/>
-              <a:t>‹#›</a:t>
+              <a:t>‹Nr.›</a:t>
             </a:fld>
             <a:endParaRPr lang="de-DE"/>
           </a:p>
@@ -9922,7 +11160,7 @@
             <a:fld id="{D49304B1-D272-430D-86A6-EEC7EE47B713}" type="slidenum">
               <a:rPr lang="de-DE" smtClean="0"/>
               <a:pPr/>
-              <a:t>‹#›</a:t>
+              <a:t>‹Nr.›</a:t>
             </a:fld>
             <a:endParaRPr lang="de-DE"/>
           </a:p>
@@ -10014,7 +11252,7 @@
             <a:fld id="{D49304B1-D272-430D-86A6-EEC7EE47B713}" type="slidenum">
               <a:rPr lang="de-DE" smtClean="0"/>
               <a:pPr/>
-              <a:t>‹#›</a:t>
+              <a:t>‹Nr.›</a:t>
             </a:fld>
             <a:endParaRPr lang="de-DE"/>
           </a:p>
@@ -10179,7 +11417,7 @@
             <a:fld id="{D49304B1-D272-430D-86A6-EEC7EE47B713}" type="slidenum">
               <a:rPr lang="de-DE" smtClean="0"/>
               <a:pPr/>
-              <a:t>‹#›</a:t>
+              <a:t>‹Nr.›</a:t>
             </a:fld>
             <a:endParaRPr lang="de-DE"/>
           </a:p>
@@ -10376,7 +11614,7 @@
             <a:fld id="{D49304B1-D272-430D-86A6-EEC7EE47B713}" type="slidenum">
               <a:rPr lang="de-DE" smtClean="0"/>
               <a:pPr/>
-              <a:t>‹#›</a:t>
+              <a:t>‹Nr.›</a:t>
             </a:fld>
             <a:endParaRPr lang="de-DE"/>
           </a:p>
@@ -10468,7 +11706,7 @@
             <a:fld id="{D49304B1-D272-430D-86A6-EEC7EE47B713}" type="slidenum">
               <a:rPr lang="de-DE" smtClean="0"/>
               <a:pPr/>
-              <a:t>‹#›</a:t>
+              <a:t>‹Nr.›</a:t>
             </a:fld>
             <a:endParaRPr lang="de-DE"/>
           </a:p>
@@ -10655,7 +11893,7 @@
             <a:fld id="{D49304B1-D272-430D-86A6-EEC7EE47B713}" type="slidenum">
               <a:rPr lang="de-DE" smtClean="0"/>
               <a:pPr/>
-              <a:t>‹#›</a:t>
+              <a:t>‹Nr.›</a:t>
             </a:fld>
             <a:endParaRPr lang="de-DE"/>
           </a:p>
@@ -10803,7 +12041,7 @@
             <a:fld id="{D49304B1-D272-430D-86A6-EEC7EE47B713}" type="slidenum">
               <a:rPr lang="de-DE" smtClean="0"/>
               <a:pPr/>
-              <a:t>‹#›</a:t>
+              <a:t>‹Nr.›</a:t>
             </a:fld>
             <a:endParaRPr lang="de-DE"/>
           </a:p>
@@ -11034,7 +12272,7 @@
             <a:fld id="{D49304B1-D272-430D-86A6-EEC7EE47B713}" type="slidenum">
               <a:rPr lang="de-DE" smtClean="0"/>
               <a:pPr/>
-              <a:t>‹#›</a:t>
+              <a:t>‹Nr.›</a:t>
             </a:fld>
             <a:endParaRPr lang="de-DE"/>
           </a:p>
@@ -11270,13 +12508,13 @@
   <p:clrMapOvr>
     <a:masterClrMapping/>
   </p:clrMapOvr>
-  <mc:AlternateContent xmlns:mc="http://schemas.openxmlformats.org/markup-compatibility/2006">
-    <mc:Choice xmlns:p14="http://schemas.microsoft.com/office/powerpoint/2010/main" Requires="p14">
+  <mc:AlternateContent xmlns:mc="http://schemas.openxmlformats.org/markup-compatibility/2006" xmlns:p14="http://schemas.microsoft.com/office/powerpoint/2010/main">
+    <mc:Choice Requires="p14">
       <p:transition spd="med" p14:dur="700">
         <p:fade/>
       </p:transition>
     </mc:Choice>
-    <mc:Fallback>
+    <mc:Fallback xmlns="">
       <p:transition spd="med">
         <p:fade/>
       </p:transition>
@@ -11436,7 +12674,7 @@
             <a:fld id="{D49304B1-D272-430D-86A6-EEC7EE47B713}" type="slidenum">
               <a:rPr lang="de-DE" smtClean="0"/>
               <a:pPr/>
-              <a:t>‹#›</a:t>
+              <a:t>‹Nr.›</a:t>
             </a:fld>
             <a:endParaRPr lang="de-DE"/>
           </a:p>
@@ -11736,7 +12974,7 @@
             <a:fld id="{D49304B1-D272-430D-86A6-EEC7EE47B713}" type="slidenum">
               <a:rPr lang="de-DE" smtClean="0"/>
               <a:pPr/>
-              <a:t>‹#›</a:t>
+              <a:t>‹Nr.›</a:t>
             </a:fld>
             <a:endParaRPr lang="de-DE"/>
           </a:p>
@@ -12492,7 +13730,7 @@
             <a:fld id="{D49304B1-D272-430D-86A6-EEC7EE47B713}" type="slidenum">
               <a:rPr lang="de-DE" smtClean="0"/>
               <a:pPr/>
-              <a:t>‹#›</a:t>
+              <a:t>‹Nr.›</a:t>
             </a:fld>
             <a:endParaRPr lang="de-DE"/>
           </a:p>
@@ -13163,7 +14401,7 @@
             <a:fld id="{D49304B1-D272-430D-86A6-EEC7EE47B713}" type="slidenum">
               <a:rPr lang="de-DE" smtClean="0"/>
               <a:pPr/>
-              <a:t>‹#›</a:t>
+              <a:t>‹Nr.›</a:t>
             </a:fld>
             <a:endParaRPr lang="de-DE"/>
           </a:p>
@@ -13920,7 +15158,7 @@
             <a:fld id="{D49304B1-D272-430D-86A6-EEC7EE47B713}" type="slidenum">
               <a:rPr lang="de-DE" smtClean="0"/>
               <a:pPr/>
-              <a:t>‹#›</a:t>
+              <a:t>‹Nr.›</a:t>
             </a:fld>
             <a:endParaRPr lang="de-DE"/>
           </a:p>
@@ -14720,7 +15958,12 @@
             <p:ph type="title"/>
           </p:nvPr>
         </p:nvSpPr>
-        <p:spPr/>
+        <p:spPr>
+          <a:xfrm>
+            <a:off x="1295466" y="303392"/>
+            <a:ext cx="10286933" cy="562074"/>
+          </a:xfrm>
+        </p:spPr>
         <p:txBody>
           <a:bodyPr/>
           <a:lstStyle/>
@@ -14809,7 +16052,7 @@
           <p:nvPr>
             <p:extLst>
               <p:ext uri="{D42A27DB-BD31-4B8C-83A1-F6EECF244321}">
-                <p14:modId xmlns:p14="http://schemas.microsoft.com/office/powerpoint/2010/main" val="1410504486"/>
+                <p14:modId xmlns:p14="http://schemas.microsoft.com/office/powerpoint/2010/main" val="2190051012"/>
               </p:ext>
             </p:extLst>
           </p:nvPr>
@@ -14838,6 +16081,156 @@
 </file>
 
 <file path=ppt/slides/slide12.xml><?xml version="1.0" encoding="utf-8"?>
+<p:sld xmlns:a="http://schemas.openxmlformats.org/drawingml/2006/main" xmlns:r="http://schemas.openxmlformats.org/officeDocument/2006/relationships" xmlns:p="http://schemas.openxmlformats.org/presentationml/2006/main" show="0">
+  <p:cSld>
+    <p:spTree>
+      <p:nvGrpSpPr>
+        <p:cNvPr id="1" name=""/>
+        <p:cNvGrpSpPr/>
+        <p:nvPr/>
+      </p:nvGrpSpPr>
+      <p:grpSpPr>
+        <a:xfrm>
+          <a:off x="0" y="0"/>
+          <a:ext cx="0" cy="0"/>
+          <a:chOff x="0" y="0"/>
+          <a:chExt cx="0" cy="0"/>
+        </a:xfrm>
+      </p:grpSpPr>
+      <p:sp>
+        <p:nvSpPr>
+          <p:cNvPr id="2" name="Titel 1">
+            <a:extLst>
+              <a:ext uri="{FF2B5EF4-FFF2-40B4-BE49-F238E27FC236}">
+                <a16:creationId xmlns:a16="http://schemas.microsoft.com/office/drawing/2014/main" id="{657A3BA6-B2D0-2FB5-4F5D-16035F781FB7}"/>
+              </a:ext>
+            </a:extLst>
+          </p:cNvPr>
+          <p:cNvSpPr>
+            <a:spLocks noGrp="1"/>
+          </p:cNvSpPr>
+          <p:nvPr>
+            <p:ph type="title"/>
+          </p:nvPr>
+        </p:nvSpPr>
+        <p:spPr/>
+        <p:txBody>
+          <a:bodyPr/>
+          <a:lstStyle/>
+          <a:p>
+            <a:r>
+              <a:rPr lang="de-DE" b="1"/>
+              <a:t>Auswertung der Algorithmen</a:t>
+            </a:r>
+          </a:p>
+        </p:txBody>
+      </p:sp>
+      <p:sp>
+        <p:nvSpPr>
+          <p:cNvPr id="4" name="Fußzeilenplatzhalter 3">
+            <a:extLst>
+              <a:ext uri="{FF2B5EF4-FFF2-40B4-BE49-F238E27FC236}">
+                <a16:creationId xmlns:a16="http://schemas.microsoft.com/office/drawing/2014/main" id="{AFA53B73-376C-3017-E949-9161C2686ABD}"/>
+              </a:ext>
+            </a:extLst>
+          </p:cNvPr>
+          <p:cNvSpPr>
+            <a:spLocks noGrp="1"/>
+          </p:cNvSpPr>
+          <p:nvPr>
+            <p:ph type="ftr" sz="quarter" idx="14"/>
+          </p:nvPr>
+        </p:nvSpPr>
+        <p:spPr/>
+        <p:txBody>
+          <a:bodyPr/>
+          <a:lstStyle/>
+          <a:p>
+            <a:r>
+              <a:rPr lang="de-DE"/>
+              <a:t>Roboterprogrammierung (RKIM121) – Prof. Hein</a:t>
+            </a:r>
+          </a:p>
+        </p:txBody>
+      </p:sp>
+      <p:sp>
+        <p:nvSpPr>
+          <p:cNvPr id="5" name="Foliennummernplatzhalter 4">
+            <a:extLst>
+              <a:ext uri="{FF2B5EF4-FFF2-40B4-BE49-F238E27FC236}">
+                <a16:creationId xmlns:a16="http://schemas.microsoft.com/office/drawing/2014/main" id="{3393646D-D130-8C2E-7D92-88A3DC26B641}"/>
+              </a:ext>
+            </a:extLst>
+          </p:cNvPr>
+          <p:cNvSpPr>
+            <a:spLocks noGrp="1"/>
+          </p:cNvSpPr>
+          <p:nvPr>
+            <p:ph type="sldNum" sz="quarter" idx="15"/>
+          </p:nvPr>
+        </p:nvSpPr>
+        <p:spPr/>
+        <p:txBody>
+          <a:bodyPr/>
+          <a:lstStyle/>
+          <a:p>
+            <a:r>
+              <a:rPr lang="de-DE"/>
+              <a:t>Seite  </a:t>
+            </a:r>
+            <a:fld id="{D49304B1-D272-430D-86A6-EEC7EE47B713}" type="slidenum">
+              <a:rPr lang="de-DE" smtClean="0"/>
+              <a:pPr/>
+              <a:t>12</a:t>
+            </a:fld>
+            <a:endParaRPr lang="de-DE"/>
+          </a:p>
+        </p:txBody>
+      </p:sp>
+      <p:graphicFrame>
+        <p:nvGraphicFramePr>
+          <p:cNvPr id="3" name="Diagramm 2">
+            <a:extLst>
+              <a:ext uri="{FF2B5EF4-FFF2-40B4-BE49-F238E27FC236}">
+                <a16:creationId xmlns:a16="http://schemas.microsoft.com/office/drawing/2014/main" id="{596ECFA4-3E20-975E-9F8A-010B6EACD89A}"/>
+              </a:ext>
+            </a:extLst>
+          </p:cNvPr>
+          <p:cNvGraphicFramePr>
+            <a:graphicFrameLocks/>
+          </p:cNvGraphicFramePr>
+          <p:nvPr>
+            <p:extLst>
+              <p:ext uri="{D42A27DB-BD31-4B8C-83A1-F6EECF244321}">
+                <p14:modId xmlns:p14="http://schemas.microsoft.com/office/powerpoint/2010/main" val="3162272088"/>
+              </p:ext>
+            </p:extLst>
+          </p:nvPr>
+        </p:nvGraphicFramePr>
+        <p:xfrm>
+          <a:off x="1295467" y="956299"/>
+          <a:ext cx="10286931" cy="5244000"/>
+        </p:xfrm>
+        <a:graphic>
+          <a:graphicData uri="http://schemas.openxmlformats.org/drawingml/2006/chart">
+            <c:chart xmlns:c="http://schemas.openxmlformats.org/drawingml/2006/chart" xmlns:r="http://schemas.openxmlformats.org/officeDocument/2006/relationships" r:id="rId2"/>
+          </a:graphicData>
+        </a:graphic>
+      </p:graphicFrame>
+    </p:spTree>
+    <p:extLst>
+      <p:ext uri="{BB962C8B-B14F-4D97-AF65-F5344CB8AC3E}">
+        <p14:creationId xmlns:p14="http://schemas.microsoft.com/office/powerpoint/2010/main" val="3587079978"/>
+      </p:ext>
+    </p:extLst>
+  </p:cSld>
+  <p:clrMapOvr>
+    <a:masterClrMapping/>
+  </p:clrMapOvr>
+</p:sld>
+</file>
+
+<file path=ppt/slides/slide13.xml><?xml version="1.0" encoding="utf-8"?>
 <p:sld xmlns:a="http://schemas.openxmlformats.org/drawingml/2006/main" xmlns:r="http://schemas.openxmlformats.org/officeDocument/2006/relationships" xmlns:p="http://schemas.openxmlformats.org/presentationml/2006/main">
   <p:cSld>
     <p:spTree>
@@ -14938,7 +16331,7 @@
             <a:fld id="{D49304B1-D272-430D-86A6-EEC7EE47B713}" type="slidenum">
               <a:rPr lang="de-DE" smtClean="0"/>
               <a:pPr/>
-              <a:t>12</a:t>
+              <a:t>13</a:t>
             </a:fld>
             <a:endParaRPr lang="de-DE"/>
           </a:p>
@@ -15869,7 +17262,7 @@
 </p:sld>
 </file>
 
-<file path=ppt/slides/slide13.xml><?xml version="1.0" encoding="utf-8"?>
+<file path=ppt/slides/slide14.xml><?xml version="1.0" encoding="utf-8"?>
 <p:sld xmlns:a="http://schemas.openxmlformats.org/drawingml/2006/main" xmlns:r="http://schemas.openxmlformats.org/officeDocument/2006/relationships" xmlns:p="http://schemas.openxmlformats.org/presentationml/2006/main" show="0">
   <p:cSld>
     <p:spTree>
@@ -15978,7 +17371,7 @@
             <a:fld id="{D49304B1-D272-430D-86A6-EEC7EE47B713}" type="slidenum">
               <a:rPr lang="de-DE" smtClean="0"/>
               <a:pPr/>
-              <a:t>13</a:t>
+              <a:t>14</a:t>
             </a:fld>
             <a:endParaRPr lang="de-DE"/>
           </a:p>
@@ -16229,7 +17622,7 @@
 </p:sld>
 </file>
 
-<file path=ppt/slides/slide14.xml><?xml version="1.0" encoding="utf-8"?>
+<file path=ppt/slides/slide15.xml><?xml version="1.0" encoding="utf-8"?>
 <p:sld xmlns:a="http://schemas.openxmlformats.org/drawingml/2006/main" xmlns:r="http://schemas.openxmlformats.org/officeDocument/2006/relationships" xmlns:p="http://schemas.openxmlformats.org/presentationml/2006/main">
   <p:cSld>
     <p:spTree>
@@ -16451,7 +17844,7 @@
             <a:fld id="{D49304B1-D272-430D-86A6-EEC7EE47B713}" type="slidenum">
               <a:rPr lang="de-DE" smtClean="0"/>
               <a:pPr/>
-              <a:t>14</a:t>
+              <a:t>15</a:t>
             </a:fld>
             <a:endParaRPr lang="de-DE"/>
           </a:p>
